--- a/Subjects/PEA308 - ADVANCED ANALYTICAL SKILLS-II/syllogism New.pptx
+++ b/Subjects/PEA308 - ADVANCED ANALYTICAL SKILLS-II/syllogism New.pptx
@@ -1,34 +1,129 @@
 
 <file path=ppt/presentation.xml><?xml version="1.0" encoding="utf-8"?>
-<p:presentation xmlns:a="http://schemas.openxmlformats.org/drawingml/2006/main" xmlns:p="http://schemas.openxmlformats.org/presentationml/2006/main" xmlns:r="http://schemas.openxmlformats.org/officeDocument/2006/relationships" xmlns:p14="http://schemas.microsoft.com/office/powerpoint/2010/main" xmlns:p15="http://schemas.microsoft.com/office/powerpoint/2012/main" xmlns:mc="http://schemas.openxmlformats.org/markup-compatibility/2006">
+<p:presentation xmlns:a="http://schemas.openxmlformats.org/drawingml/2006/main" xmlns:r="http://schemas.openxmlformats.org/officeDocument/2006/relationships" xmlns:p="http://schemas.openxmlformats.org/presentationml/2006/main">
   <p:sldMasterIdLst>
-    <p:sldMasterId id="2147483648" r:id="rId2"/>
+    <p:sldMasterId id="2147483648" r:id="rId1"/>
   </p:sldMasterIdLst>
   <p:sldIdLst>
-    <p:sldId id="256" r:id="rId3"/>
-    <p:sldId id="257" r:id="rId4"/>
-    <p:sldId id="258" r:id="rId5"/>
-    <p:sldId id="259" r:id="rId6"/>
-    <p:sldId id="260" r:id="rId7"/>
-    <p:sldId id="261" r:id="rId8"/>
-    <p:sldId id="262" r:id="rId9"/>
-    <p:sldId id="263" r:id="rId10"/>
-    <p:sldId id="264" r:id="rId11"/>
-    <p:sldId id="265" r:id="rId12"/>
-    <p:sldId id="266" r:id="rId13"/>
-    <p:sldId id="267" r:id="rId14"/>
-    <p:sldId id="268" r:id="rId15"/>
-    <p:sldId id="269" r:id="rId16"/>
-    <p:sldId id="270" r:id="rId17"/>
-    <p:sldId id="271" r:id="rId18"/>
+    <p:sldId id="256" r:id="rId2"/>
+    <p:sldId id="257" r:id="rId3"/>
+    <p:sldId id="258" r:id="rId4"/>
+    <p:sldId id="259" r:id="rId5"/>
+    <p:sldId id="260" r:id="rId6"/>
+    <p:sldId id="261" r:id="rId7"/>
+    <p:sldId id="262" r:id="rId8"/>
+    <p:sldId id="263" r:id="rId9"/>
+    <p:sldId id="264" r:id="rId10"/>
+    <p:sldId id="265" r:id="rId11"/>
+    <p:sldId id="266" r:id="rId12"/>
+    <p:sldId id="267" r:id="rId13"/>
+    <p:sldId id="268" r:id="rId14"/>
+    <p:sldId id="269" r:id="rId15"/>
+    <p:sldId id="270" r:id="rId16"/>
+    <p:sldId id="271" r:id="rId17"/>
   </p:sldIdLst>
-  <p:sldSz cx="9144000" cy="6858000"/>
+  <p:sldSz cx="9144000" cy="6858000" type="screen4x3"/>
   <p:notesSz cx="7559675" cy="10691813"/>
+  <p:defaultTextStyle>
+    <a:defPPr>
+      <a:defRPr lang="en-US"/>
+    </a:defPPr>
+    <a:lvl1pPr marL="0" algn="l" defTabSz="914400" rtl="0" eaLnBrk="1" latinLnBrk="0" hangingPunct="1">
+      <a:defRPr sz="1800" kern="1200">
+        <a:solidFill>
+          <a:schemeClr val="tx1"/>
+        </a:solidFill>
+        <a:latin typeface="+mn-lt"/>
+        <a:ea typeface="+mn-ea"/>
+        <a:cs typeface="+mn-cs"/>
+      </a:defRPr>
+    </a:lvl1pPr>
+    <a:lvl2pPr marL="457200" algn="l" defTabSz="914400" rtl="0" eaLnBrk="1" latinLnBrk="0" hangingPunct="1">
+      <a:defRPr sz="1800" kern="1200">
+        <a:solidFill>
+          <a:schemeClr val="tx1"/>
+        </a:solidFill>
+        <a:latin typeface="+mn-lt"/>
+        <a:ea typeface="+mn-ea"/>
+        <a:cs typeface="+mn-cs"/>
+      </a:defRPr>
+    </a:lvl2pPr>
+    <a:lvl3pPr marL="914400" algn="l" defTabSz="914400" rtl="0" eaLnBrk="1" latinLnBrk="0" hangingPunct="1">
+      <a:defRPr sz="1800" kern="1200">
+        <a:solidFill>
+          <a:schemeClr val="tx1"/>
+        </a:solidFill>
+        <a:latin typeface="+mn-lt"/>
+        <a:ea typeface="+mn-ea"/>
+        <a:cs typeface="+mn-cs"/>
+      </a:defRPr>
+    </a:lvl3pPr>
+    <a:lvl4pPr marL="1371600" algn="l" defTabSz="914400" rtl="0" eaLnBrk="1" latinLnBrk="0" hangingPunct="1">
+      <a:defRPr sz="1800" kern="1200">
+        <a:solidFill>
+          <a:schemeClr val="tx1"/>
+        </a:solidFill>
+        <a:latin typeface="+mn-lt"/>
+        <a:ea typeface="+mn-ea"/>
+        <a:cs typeface="+mn-cs"/>
+      </a:defRPr>
+    </a:lvl4pPr>
+    <a:lvl5pPr marL="1828800" algn="l" defTabSz="914400" rtl="0" eaLnBrk="1" latinLnBrk="0" hangingPunct="1">
+      <a:defRPr sz="1800" kern="1200">
+        <a:solidFill>
+          <a:schemeClr val="tx1"/>
+        </a:solidFill>
+        <a:latin typeface="+mn-lt"/>
+        <a:ea typeface="+mn-ea"/>
+        <a:cs typeface="+mn-cs"/>
+      </a:defRPr>
+    </a:lvl5pPr>
+    <a:lvl6pPr marL="2286000" algn="l" defTabSz="914400" rtl="0" eaLnBrk="1" latinLnBrk="0" hangingPunct="1">
+      <a:defRPr sz="1800" kern="1200">
+        <a:solidFill>
+          <a:schemeClr val="tx1"/>
+        </a:solidFill>
+        <a:latin typeface="+mn-lt"/>
+        <a:ea typeface="+mn-ea"/>
+        <a:cs typeface="+mn-cs"/>
+      </a:defRPr>
+    </a:lvl6pPr>
+    <a:lvl7pPr marL="2743200" algn="l" defTabSz="914400" rtl="0" eaLnBrk="1" latinLnBrk="0" hangingPunct="1">
+      <a:defRPr sz="1800" kern="1200">
+        <a:solidFill>
+          <a:schemeClr val="tx1"/>
+        </a:solidFill>
+        <a:latin typeface="+mn-lt"/>
+        <a:ea typeface="+mn-ea"/>
+        <a:cs typeface="+mn-cs"/>
+      </a:defRPr>
+    </a:lvl7pPr>
+    <a:lvl8pPr marL="3200400" algn="l" defTabSz="914400" rtl="0" eaLnBrk="1" latinLnBrk="0" hangingPunct="1">
+      <a:defRPr sz="1800" kern="1200">
+        <a:solidFill>
+          <a:schemeClr val="tx1"/>
+        </a:solidFill>
+        <a:latin typeface="+mn-lt"/>
+        <a:ea typeface="+mn-ea"/>
+        <a:cs typeface="+mn-cs"/>
+      </a:defRPr>
+    </a:lvl8pPr>
+    <a:lvl9pPr marL="3657600" algn="l" defTabSz="914400" rtl="0" eaLnBrk="1" latinLnBrk="0" hangingPunct="1">
+      <a:defRPr sz="1800" kern="1200">
+        <a:solidFill>
+          <a:schemeClr val="tx1"/>
+        </a:solidFill>
+        <a:latin typeface="+mn-lt"/>
+        <a:ea typeface="+mn-ea"/>
+        <a:cs typeface="+mn-cs"/>
+      </a:defRPr>
+    </a:lvl9pPr>
+  </p:defaultTextStyle>
 </p:presentation>
 </file>
 
 <file path=ppt/slideLayouts/slideLayout1.xml><?xml version="1.0" encoding="utf-8"?>
-<p:sldLayout xmlns:a="http://schemas.openxmlformats.org/drawingml/2006/main" xmlns:p="http://schemas.openxmlformats.org/presentationml/2006/main" xmlns:r="http://schemas.openxmlformats.org/officeDocument/2006/relationships" xmlns:p14="http://schemas.microsoft.com/office/powerpoint/2010/main" xmlns:p15="http://schemas.microsoft.com/office/powerpoint/2012/main" xmlns:mc="http://schemas.openxmlformats.org/markup-compatibility/2006" type="blank" preserve="1">
+<p:sldLayout xmlns:a="http://schemas.openxmlformats.org/drawingml/2006/main" xmlns:r="http://schemas.openxmlformats.org/officeDocument/2006/relationships" xmlns:p="http://schemas.openxmlformats.org/presentationml/2006/main" type="blank" preserve="1">
   <p:cSld name="Blank Slide">
     <p:spTree>
       <p:nvGrpSpPr>
@@ -57,6 +152,7 @@
         <p:spPr/>
         <p:txBody>
           <a:bodyPr/>
+          <a:lstStyle/>
           <a:p>
             <a:r>
               <a:t>Footer</a:t>
@@ -77,10 +173,12 @@
         <p:spPr/>
         <p:txBody>
           <a:bodyPr/>
+          <a:lstStyle/>
           <a:p>
             <a:fld id="{82890426-8D97-4536-B710-FD5901BA094C}" type="slidenum">
-              <a:t>&lt;#&gt;</a:t>
+              <a:t>‹#›</a:t>
             </a:fld>
+            <a:endParaRPr/>
           </a:p>
         </p:txBody>
       </p:sp>
@@ -97,21 +195,22 @@
         <p:spPr/>
         <p:txBody>
           <a:bodyPr/>
-          <a:p>
-            <a:r>
-              <a:rPr lang="en-IN"/>
-              <a:t/>
-            </a:r>
+          <a:lstStyle/>
+          <a:p>
+            <a:endParaRPr/>
           </a:p>
         </p:txBody>
       </p:sp>
     </p:spTree>
   </p:cSld>
+  <p:clrMapOvr>
+    <a:masterClrMapping/>
+  </p:clrMapOvr>
 </p:sldLayout>
 </file>
 
 <file path=ppt/slideLayouts/slideLayout10.xml><?xml version="1.0" encoding="utf-8"?>
-<p:sldLayout xmlns:a="http://schemas.openxmlformats.org/drawingml/2006/main" xmlns:p="http://schemas.openxmlformats.org/presentationml/2006/main" xmlns:r="http://schemas.openxmlformats.org/officeDocument/2006/relationships" xmlns:p14="http://schemas.microsoft.com/office/powerpoint/2010/main" xmlns:p15="http://schemas.microsoft.com/office/powerpoint/2012/main" xmlns:mc="http://schemas.openxmlformats.org/markup-compatibility/2006" type="objOverTx" preserve="1">
+<p:sldLayout xmlns:a="http://schemas.openxmlformats.org/drawingml/2006/main" xmlns:r="http://schemas.openxmlformats.org/officeDocument/2006/relationships" xmlns:p="http://schemas.openxmlformats.org/presentationml/2006/main" type="objOverTx" preserve="1">
   <p:cSld name="Title, Content over Content">
     <p:spTree>
       <p:nvGrpSpPr>
@@ -151,14 +250,15 @@
           </a:ln>
         </p:spPr>
         <p:txBody>
-          <a:bodyPr lIns="0" rIns="0" tIns="0" bIns="0" anchor="ctr">
+          <a:bodyPr lIns="0" tIns="0" rIns="0" bIns="0" anchor="ctr">
             <a:noAutofit/>
           </a:bodyPr>
+          <a:lstStyle/>
           <a:p>
             <a:pPr algn="ctr">
               <a:buNone/>
             </a:pPr>
-            <a:endParaRPr b="0" lang="en-IN" sz="4400" spc="-1" strike="noStrike">
+            <a:endParaRPr lang="en-IN" sz="4400" b="0" strike="noStrike" spc="-1">
               <a:latin typeface="Arial"/>
             </a:endParaRPr>
           </a:p>
@@ -188,11 +288,12 @@
           </a:ln>
         </p:spPr>
         <p:txBody>
-          <a:bodyPr lIns="0" rIns="0" tIns="0" bIns="0" anchor="t">
+          <a:bodyPr lIns="0" tIns="0" rIns="0" bIns="0" anchor="t">
             <a:normAutofit/>
           </a:bodyPr>
-          <a:p>
-            <a:endParaRPr b="0" lang="en-IN" sz="3200" spc="-1" strike="noStrike">
+          <a:lstStyle/>
+          <a:p>
+            <a:endParaRPr lang="en-IN" sz="3200" b="0" strike="noStrike" spc="-1">
               <a:latin typeface="Arial"/>
             </a:endParaRPr>
           </a:p>
@@ -222,11 +323,12 @@
           </a:ln>
         </p:spPr>
         <p:txBody>
-          <a:bodyPr lIns="0" rIns="0" tIns="0" bIns="0" anchor="t">
+          <a:bodyPr lIns="0" tIns="0" rIns="0" bIns="0" anchor="t">
             <a:normAutofit/>
           </a:bodyPr>
-          <a:p>
-            <a:endParaRPr b="0" lang="en-IN" sz="3200" spc="-1" strike="noStrike">
+          <a:lstStyle/>
+          <a:p>
+            <a:endParaRPr lang="en-IN" sz="3200" b="0" strike="noStrike" spc="-1">
               <a:latin typeface="Arial"/>
             </a:endParaRPr>
           </a:p>
@@ -245,6 +347,7 @@
         <p:spPr/>
         <p:txBody>
           <a:bodyPr/>
+          <a:lstStyle/>
           <a:p>
             <a:r>
               <a:t>Footer</a:t>
@@ -265,10 +368,12 @@
         <p:spPr/>
         <p:txBody>
           <a:bodyPr/>
+          <a:lstStyle/>
           <a:p>
             <a:fld id="{6CB99EA8-BE30-46D2-B4CF-6FEF33B62E1C}" type="slidenum">
-              <a:t>&lt;#&gt;</a:t>
+              <a:t>‹#›</a:t>
             </a:fld>
+            <a:endParaRPr/>
           </a:p>
         </p:txBody>
       </p:sp>
@@ -285,21 +390,22 @@
         <p:spPr/>
         <p:txBody>
           <a:bodyPr/>
-          <a:p>
-            <a:r>
-              <a:rPr lang="en-IN"/>
-              <a:t/>
-            </a:r>
+          <a:lstStyle/>
+          <a:p>
+            <a:endParaRPr/>
           </a:p>
         </p:txBody>
       </p:sp>
     </p:spTree>
   </p:cSld>
+  <p:clrMapOvr>
+    <a:masterClrMapping/>
+  </p:clrMapOvr>
 </p:sldLayout>
 </file>
 
 <file path=ppt/slideLayouts/slideLayout11.xml><?xml version="1.0" encoding="utf-8"?>
-<p:sldLayout xmlns:a="http://schemas.openxmlformats.org/drawingml/2006/main" xmlns:p="http://schemas.openxmlformats.org/presentationml/2006/main" xmlns:r="http://schemas.openxmlformats.org/officeDocument/2006/relationships" xmlns:p14="http://schemas.microsoft.com/office/powerpoint/2010/main" xmlns:p15="http://schemas.microsoft.com/office/powerpoint/2012/main" xmlns:mc="http://schemas.openxmlformats.org/markup-compatibility/2006" type="fourObj" preserve="1">
+<p:sldLayout xmlns:a="http://schemas.openxmlformats.org/drawingml/2006/main" xmlns:r="http://schemas.openxmlformats.org/officeDocument/2006/relationships" xmlns:p="http://schemas.openxmlformats.org/presentationml/2006/main" type="fourObj" preserve="1">
   <p:cSld name="Title, 4 Content">
     <p:spTree>
       <p:nvGrpSpPr>
@@ -339,14 +445,15 @@
           </a:ln>
         </p:spPr>
         <p:txBody>
-          <a:bodyPr lIns="0" rIns="0" tIns="0" bIns="0" anchor="ctr">
+          <a:bodyPr lIns="0" tIns="0" rIns="0" bIns="0" anchor="ctr">
             <a:noAutofit/>
           </a:bodyPr>
+          <a:lstStyle/>
           <a:p>
             <a:pPr algn="ctr">
               <a:buNone/>
             </a:pPr>
-            <a:endParaRPr b="0" lang="en-IN" sz="4400" spc="-1" strike="noStrike">
+            <a:endParaRPr lang="en-IN" sz="4400" b="0" strike="noStrike" spc="-1">
               <a:latin typeface="Arial"/>
             </a:endParaRPr>
           </a:p>
@@ -376,11 +483,12 @@
           </a:ln>
         </p:spPr>
         <p:txBody>
-          <a:bodyPr lIns="0" rIns="0" tIns="0" bIns="0" anchor="t">
+          <a:bodyPr lIns="0" tIns="0" rIns="0" bIns="0" anchor="t">
             <a:normAutofit/>
           </a:bodyPr>
-          <a:p>
-            <a:endParaRPr b="0" lang="en-IN" sz="3200" spc="-1" strike="noStrike">
+          <a:lstStyle/>
+          <a:p>
+            <a:endParaRPr lang="en-IN" sz="3200" b="0" strike="noStrike" spc="-1">
               <a:latin typeface="Arial"/>
             </a:endParaRPr>
           </a:p>
@@ -410,11 +518,12 @@
           </a:ln>
         </p:spPr>
         <p:txBody>
-          <a:bodyPr lIns="0" rIns="0" tIns="0" bIns="0" anchor="t">
+          <a:bodyPr lIns="0" tIns="0" rIns="0" bIns="0" anchor="t">
             <a:normAutofit/>
           </a:bodyPr>
-          <a:p>
-            <a:endParaRPr b="0" lang="en-IN" sz="3200" spc="-1" strike="noStrike">
+          <a:lstStyle/>
+          <a:p>
+            <a:endParaRPr lang="en-IN" sz="3200" b="0" strike="noStrike" spc="-1">
               <a:latin typeface="Arial"/>
             </a:endParaRPr>
           </a:p>
@@ -444,11 +553,12 @@
           </a:ln>
         </p:spPr>
         <p:txBody>
-          <a:bodyPr lIns="0" rIns="0" tIns="0" bIns="0" anchor="t">
+          <a:bodyPr lIns="0" tIns="0" rIns="0" bIns="0" anchor="t">
             <a:normAutofit/>
           </a:bodyPr>
-          <a:p>
-            <a:endParaRPr b="0" lang="en-IN" sz="3200" spc="-1" strike="noStrike">
+          <a:lstStyle/>
+          <a:p>
+            <a:endParaRPr lang="en-IN" sz="3200" b="0" strike="noStrike" spc="-1">
               <a:latin typeface="Arial"/>
             </a:endParaRPr>
           </a:p>
@@ -478,11 +588,12 @@
           </a:ln>
         </p:spPr>
         <p:txBody>
-          <a:bodyPr lIns="0" rIns="0" tIns="0" bIns="0" anchor="t">
+          <a:bodyPr lIns="0" tIns="0" rIns="0" bIns="0" anchor="t">
             <a:normAutofit/>
           </a:bodyPr>
-          <a:p>
-            <a:endParaRPr b="0" lang="en-IN" sz="3200" spc="-1" strike="noStrike">
+          <a:lstStyle/>
+          <a:p>
+            <a:endParaRPr lang="en-IN" sz="3200" b="0" strike="noStrike" spc="-1">
               <a:latin typeface="Arial"/>
             </a:endParaRPr>
           </a:p>
@@ -501,6 +612,7 @@
         <p:spPr/>
         <p:txBody>
           <a:bodyPr/>
+          <a:lstStyle/>
           <a:p>
             <a:r>
               <a:t>Footer</a:t>
@@ -521,10 +633,12 @@
         <p:spPr/>
         <p:txBody>
           <a:bodyPr/>
+          <a:lstStyle/>
           <a:p>
             <a:fld id="{B03B302C-41E8-458B-B49D-CA1269CAEC8B}" type="slidenum">
-              <a:t>&lt;#&gt;</a:t>
+              <a:t>‹#›</a:t>
             </a:fld>
+            <a:endParaRPr/>
           </a:p>
         </p:txBody>
       </p:sp>
@@ -541,21 +655,22 @@
         <p:spPr/>
         <p:txBody>
           <a:bodyPr/>
-          <a:p>
-            <a:r>
-              <a:rPr lang="en-IN"/>
-              <a:t/>
-            </a:r>
+          <a:lstStyle/>
+          <a:p>
+            <a:endParaRPr/>
           </a:p>
         </p:txBody>
       </p:sp>
     </p:spTree>
   </p:cSld>
+  <p:clrMapOvr>
+    <a:masterClrMapping/>
+  </p:clrMapOvr>
 </p:sldLayout>
 </file>
 
 <file path=ppt/slideLayouts/slideLayout12.xml><?xml version="1.0" encoding="utf-8"?>
-<p:sldLayout xmlns:a="http://schemas.openxmlformats.org/drawingml/2006/main" xmlns:p="http://schemas.openxmlformats.org/presentationml/2006/main" xmlns:r="http://schemas.openxmlformats.org/officeDocument/2006/relationships" xmlns:p14="http://schemas.microsoft.com/office/powerpoint/2010/main" xmlns:p15="http://schemas.microsoft.com/office/powerpoint/2012/main" xmlns:mc="http://schemas.openxmlformats.org/markup-compatibility/2006" type="blank" preserve="1">
+<p:sldLayout xmlns:a="http://schemas.openxmlformats.org/drawingml/2006/main" xmlns:r="http://schemas.openxmlformats.org/officeDocument/2006/relationships" xmlns:p="http://schemas.openxmlformats.org/presentationml/2006/main" type="blank" preserve="1">
   <p:cSld name="Title, 6 Content">
     <p:spTree>
       <p:nvGrpSpPr>
@@ -595,14 +710,15 @@
           </a:ln>
         </p:spPr>
         <p:txBody>
-          <a:bodyPr lIns="0" rIns="0" tIns="0" bIns="0" anchor="ctr">
+          <a:bodyPr lIns="0" tIns="0" rIns="0" bIns="0" anchor="ctr">
             <a:noAutofit/>
           </a:bodyPr>
+          <a:lstStyle/>
           <a:p>
             <a:pPr algn="ctr">
               <a:buNone/>
             </a:pPr>
-            <a:endParaRPr b="0" lang="en-IN" sz="4400" spc="-1" strike="noStrike">
+            <a:endParaRPr lang="en-IN" sz="4400" b="0" strike="noStrike" spc="-1">
               <a:latin typeface="Arial"/>
             </a:endParaRPr>
           </a:p>
@@ -632,11 +748,12 @@
           </a:ln>
         </p:spPr>
         <p:txBody>
-          <a:bodyPr lIns="0" rIns="0" tIns="0" bIns="0" anchor="t">
+          <a:bodyPr lIns="0" tIns="0" rIns="0" bIns="0" anchor="t">
             <a:normAutofit/>
           </a:bodyPr>
-          <a:p>
-            <a:endParaRPr b="0" lang="en-IN" sz="3200" spc="-1" strike="noStrike">
+          <a:lstStyle/>
+          <a:p>
+            <a:endParaRPr lang="en-IN" sz="3200" b="0" strike="noStrike" spc="-1">
               <a:latin typeface="Arial"/>
             </a:endParaRPr>
           </a:p>
@@ -666,11 +783,12 @@
           </a:ln>
         </p:spPr>
         <p:txBody>
-          <a:bodyPr lIns="0" rIns="0" tIns="0" bIns="0" anchor="t">
+          <a:bodyPr lIns="0" tIns="0" rIns="0" bIns="0" anchor="t">
             <a:normAutofit/>
           </a:bodyPr>
-          <a:p>
-            <a:endParaRPr b="0" lang="en-IN" sz="3200" spc="-1" strike="noStrike">
+          <a:lstStyle/>
+          <a:p>
+            <a:endParaRPr lang="en-IN" sz="3200" b="0" strike="noStrike" spc="-1">
               <a:latin typeface="Arial"/>
             </a:endParaRPr>
           </a:p>
@@ -700,11 +818,12 @@
           </a:ln>
         </p:spPr>
         <p:txBody>
-          <a:bodyPr lIns="0" rIns="0" tIns="0" bIns="0" anchor="t">
+          <a:bodyPr lIns="0" tIns="0" rIns="0" bIns="0" anchor="t">
             <a:normAutofit/>
           </a:bodyPr>
-          <a:p>
-            <a:endParaRPr b="0" lang="en-IN" sz="3200" spc="-1" strike="noStrike">
+          <a:lstStyle/>
+          <a:p>
+            <a:endParaRPr lang="en-IN" sz="3200" b="0" strike="noStrike" spc="-1">
               <a:latin typeface="Arial"/>
             </a:endParaRPr>
           </a:p>
@@ -734,11 +853,12 @@
           </a:ln>
         </p:spPr>
         <p:txBody>
-          <a:bodyPr lIns="0" rIns="0" tIns="0" bIns="0" anchor="t">
+          <a:bodyPr lIns="0" tIns="0" rIns="0" bIns="0" anchor="t">
             <a:normAutofit/>
           </a:bodyPr>
-          <a:p>
-            <a:endParaRPr b="0" lang="en-IN" sz="3200" spc="-1" strike="noStrike">
+          <a:lstStyle/>
+          <a:p>
+            <a:endParaRPr lang="en-IN" sz="3200" b="0" strike="noStrike" spc="-1">
               <a:latin typeface="Arial"/>
             </a:endParaRPr>
           </a:p>
@@ -768,11 +888,12 @@
           </a:ln>
         </p:spPr>
         <p:txBody>
-          <a:bodyPr lIns="0" rIns="0" tIns="0" bIns="0" anchor="t">
+          <a:bodyPr lIns="0" tIns="0" rIns="0" bIns="0" anchor="t">
             <a:normAutofit/>
           </a:bodyPr>
-          <a:p>
-            <a:endParaRPr b="0" lang="en-IN" sz="3200" spc="-1" strike="noStrike">
+          <a:lstStyle/>
+          <a:p>
+            <a:endParaRPr lang="en-IN" sz="3200" b="0" strike="noStrike" spc="-1">
               <a:latin typeface="Arial"/>
             </a:endParaRPr>
           </a:p>
@@ -802,11 +923,12 @@
           </a:ln>
         </p:spPr>
         <p:txBody>
-          <a:bodyPr lIns="0" rIns="0" tIns="0" bIns="0" anchor="t">
+          <a:bodyPr lIns="0" tIns="0" rIns="0" bIns="0" anchor="t">
             <a:normAutofit/>
           </a:bodyPr>
-          <a:p>
-            <a:endParaRPr b="0" lang="en-IN" sz="3200" spc="-1" strike="noStrike">
+          <a:lstStyle/>
+          <a:p>
+            <a:endParaRPr lang="en-IN" sz="3200" b="0" strike="noStrike" spc="-1">
               <a:latin typeface="Arial"/>
             </a:endParaRPr>
           </a:p>
@@ -825,6 +947,7 @@
         <p:spPr/>
         <p:txBody>
           <a:bodyPr/>
+          <a:lstStyle/>
           <a:p>
             <a:r>
               <a:t>Footer</a:t>
@@ -845,10 +968,12 @@
         <p:spPr/>
         <p:txBody>
           <a:bodyPr/>
+          <a:lstStyle/>
           <a:p>
             <a:fld id="{F68F0FEF-99C1-497E-A88B-2F3BFA29446E}" type="slidenum">
-              <a:t>&lt;#&gt;</a:t>
+              <a:t>‹#›</a:t>
             </a:fld>
+            <a:endParaRPr/>
           </a:p>
         </p:txBody>
       </p:sp>
@@ -865,21 +990,22 @@
         <p:spPr/>
         <p:txBody>
           <a:bodyPr/>
-          <a:p>
-            <a:r>
-              <a:rPr lang="en-IN"/>
-              <a:t/>
-            </a:r>
+          <a:lstStyle/>
+          <a:p>
+            <a:endParaRPr/>
           </a:p>
         </p:txBody>
       </p:sp>
     </p:spTree>
   </p:cSld>
+  <p:clrMapOvr>
+    <a:masterClrMapping/>
+  </p:clrMapOvr>
 </p:sldLayout>
 </file>
 
 <file path=ppt/slideLayouts/slideLayout2.xml><?xml version="1.0" encoding="utf-8"?>
-<p:sldLayout xmlns:a="http://schemas.openxmlformats.org/drawingml/2006/main" xmlns:p="http://schemas.openxmlformats.org/presentationml/2006/main" xmlns:r="http://schemas.openxmlformats.org/officeDocument/2006/relationships" xmlns:p14="http://schemas.microsoft.com/office/powerpoint/2010/main" xmlns:p15="http://schemas.microsoft.com/office/powerpoint/2012/main" xmlns:mc="http://schemas.openxmlformats.org/markup-compatibility/2006" type="tx" preserve="1">
+<p:sldLayout xmlns:a="http://schemas.openxmlformats.org/drawingml/2006/main" xmlns:r="http://schemas.openxmlformats.org/officeDocument/2006/relationships" xmlns:p="http://schemas.openxmlformats.org/presentationml/2006/main" type="tx" preserve="1">
   <p:cSld name="Title Slide">
     <p:spTree>
       <p:nvGrpSpPr>
@@ -919,14 +1045,15 @@
           </a:ln>
         </p:spPr>
         <p:txBody>
-          <a:bodyPr lIns="0" rIns="0" tIns="0" bIns="0" anchor="ctr">
+          <a:bodyPr lIns="0" tIns="0" rIns="0" bIns="0" anchor="ctr">
             <a:noAutofit/>
           </a:bodyPr>
+          <a:lstStyle/>
           <a:p>
             <a:pPr algn="ctr">
               <a:buNone/>
             </a:pPr>
-            <a:endParaRPr b="0" lang="en-IN" sz="4400" spc="-1" strike="noStrike">
+            <a:endParaRPr lang="en-IN" sz="4400" b="0" strike="noStrike" spc="-1">
               <a:latin typeface="Arial"/>
             </a:endParaRPr>
           </a:p>
@@ -956,14 +1083,15 @@
           </a:ln>
         </p:spPr>
         <p:txBody>
-          <a:bodyPr lIns="0" rIns="0" tIns="0" bIns="0" anchor="ctr">
+          <a:bodyPr lIns="0" tIns="0" rIns="0" bIns="0" anchor="ctr">
             <a:noAutofit/>
           </a:bodyPr>
+          <a:lstStyle/>
           <a:p>
             <a:pPr algn="ctr">
               <a:buNone/>
             </a:pPr>
-            <a:endParaRPr b="0" lang="en-IN" sz="3200" spc="-1" strike="noStrike">
+            <a:endParaRPr lang="en-IN" sz="3200" b="0" strike="noStrike" spc="-1">
               <a:latin typeface="Arial"/>
             </a:endParaRPr>
           </a:p>
@@ -982,6 +1110,7 @@
         <p:spPr/>
         <p:txBody>
           <a:bodyPr/>
+          <a:lstStyle/>
           <a:p>
             <a:r>
               <a:t>Footer</a:t>
@@ -991,7 +1120,7 @@
       </p:sp>
       <p:sp>
         <p:nvSpPr>
-          <p:cNvPr id="5" name="PlaceHolder 4"/>
+          <p:cNvPr id="2" name="PlaceHolder 4"/>
           <p:cNvSpPr>
             <a:spLocks noGrp="1"/>
           </p:cNvSpPr>
@@ -1002,16 +1131,18 @@
         <p:spPr/>
         <p:txBody>
           <a:bodyPr/>
+          <a:lstStyle/>
           <a:p>
             <a:fld id="{0C9242A2-3873-4AB2-B818-0F87A76F3F88}" type="slidenum">
-              <a:t>&lt;#&gt;</a:t>
+              <a:t>‹#›</a:t>
             </a:fld>
-          </a:p>
-        </p:txBody>
-      </p:sp>
-      <p:sp>
-        <p:nvSpPr>
-          <p:cNvPr id="6" name="PlaceHolder 5"/>
+            <a:endParaRPr/>
+          </a:p>
+        </p:txBody>
+      </p:sp>
+      <p:sp>
+        <p:nvSpPr>
+          <p:cNvPr id="3" name="PlaceHolder 5"/>
           <p:cNvSpPr>
             <a:spLocks noGrp="1"/>
           </p:cNvSpPr>
@@ -1022,21 +1153,22 @@
         <p:spPr/>
         <p:txBody>
           <a:bodyPr/>
-          <a:p>
-            <a:r>
-              <a:rPr lang="en-IN"/>
-              <a:t/>
-            </a:r>
+          <a:lstStyle/>
+          <a:p>
+            <a:endParaRPr/>
           </a:p>
         </p:txBody>
       </p:sp>
     </p:spTree>
   </p:cSld>
+  <p:clrMapOvr>
+    <a:masterClrMapping/>
+  </p:clrMapOvr>
 </p:sldLayout>
 </file>
 
 <file path=ppt/slideLayouts/slideLayout3.xml><?xml version="1.0" encoding="utf-8"?>
-<p:sldLayout xmlns:a="http://schemas.openxmlformats.org/drawingml/2006/main" xmlns:p="http://schemas.openxmlformats.org/presentationml/2006/main" xmlns:r="http://schemas.openxmlformats.org/officeDocument/2006/relationships" xmlns:p14="http://schemas.microsoft.com/office/powerpoint/2010/main" xmlns:p15="http://schemas.microsoft.com/office/powerpoint/2012/main" xmlns:mc="http://schemas.openxmlformats.org/markup-compatibility/2006" type="obj" preserve="1">
+<p:sldLayout xmlns:a="http://schemas.openxmlformats.org/drawingml/2006/main" xmlns:r="http://schemas.openxmlformats.org/officeDocument/2006/relationships" xmlns:p="http://schemas.openxmlformats.org/presentationml/2006/main" type="obj" preserve="1">
   <p:cSld name="Title, Content">
     <p:spTree>
       <p:nvGrpSpPr>
@@ -1076,14 +1208,15 @@
           </a:ln>
         </p:spPr>
         <p:txBody>
-          <a:bodyPr lIns="0" rIns="0" tIns="0" bIns="0" anchor="ctr">
+          <a:bodyPr lIns="0" tIns="0" rIns="0" bIns="0" anchor="ctr">
             <a:noAutofit/>
           </a:bodyPr>
+          <a:lstStyle/>
           <a:p>
             <a:pPr algn="ctr">
               <a:buNone/>
             </a:pPr>
-            <a:endParaRPr b="0" lang="en-IN" sz="4400" spc="-1" strike="noStrike">
+            <a:endParaRPr lang="en-IN" sz="4400" b="0" strike="noStrike" spc="-1">
               <a:latin typeface="Arial"/>
             </a:endParaRPr>
           </a:p>
@@ -1113,11 +1246,12 @@
           </a:ln>
         </p:spPr>
         <p:txBody>
-          <a:bodyPr lIns="0" rIns="0" tIns="0" bIns="0" anchor="t">
+          <a:bodyPr lIns="0" tIns="0" rIns="0" bIns="0" anchor="t">
             <a:normAutofit/>
           </a:bodyPr>
-          <a:p>
-            <a:endParaRPr b="0" lang="en-IN" sz="3200" spc="-1" strike="noStrike">
+          <a:lstStyle/>
+          <a:p>
+            <a:endParaRPr lang="en-IN" sz="3200" b="0" strike="noStrike" spc="-1">
               <a:latin typeface="Arial"/>
             </a:endParaRPr>
           </a:p>
@@ -1136,6 +1270,7 @@
         <p:spPr/>
         <p:txBody>
           <a:bodyPr/>
+          <a:lstStyle/>
           <a:p>
             <a:r>
               <a:t>Footer</a:t>
@@ -1156,10 +1291,12 @@
         <p:spPr/>
         <p:txBody>
           <a:bodyPr/>
+          <a:lstStyle/>
           <a:p>
             <a:fld id="{C153713A-2AF5-42AF-B7EA-61F00774864D}" type="slidenum">
-              <a:t>&lt;#&gt;</a:t>
+              <a:t>‹#›</a:t>
             </a:fld>
+            <a:endParaRPr/>
           </a:p>
         </p:txBody>
       </p:sp>
@@ -1176,21 +1313,22 @@
         <p:spPr/>
         <p:txBody>
           <a:bodyPr/>
-          <a:p>
-            <a:r>
-              <a:rPr lang="en-IN"/>
-              <a:t/>
-            </a:r>
+          <a:lstStyle/>
+          <a:p>
+            <a:endParaRPr/>
           </a:p>
         </p:txBody>
       </p:sp>
     </p:spTree>
   </p:cSld>
+  <p:clrMapOvr>
+    <a:masterClrMapping/>
+  </p:clrMapOvr>
 </p:sldLayout>
 </file>
 
 <file path=ppt/slideLayouts/slideLayout4.xml><?xml version="1.0" encoding="utf-8"?>
-<p:sldLayout xmlns:a="http://schemas.openxmlformats.org/drawingml/2006/main" xmlns:p="http://schemas.openxmlformats.org/presentationml/2006/main" xmlns:r="http://schemas.openxmlformats.org/officeDocument/2006/relationships" xmlns:p14="http://schemas.microsoft.com/office/powerpoint/2010/main" xmlns:p15="http://schemas.microsoft.com/office/powerpoint/2012/main" xmlns:mc="http://schemas.openxmlformats.org/markup-compatibility/2006" type="twoObj" preserve="1">
+<p:sldLayout xmlns:a="http://schemas.openxmlformats.org/drawingml/2006/main" xmlns:r="http://schemas.openxmlformats.org/officeDocument/2006/relationships" xmlns:p="http://schemas.openxmlformats.org/presentationml/2006/main" type="twoObj" preserve="1">
   <p:cSld name="Title, 2 Content">
     <p:spTree>
       <p:nvGrpSpPr>
@@ -1230,14 +1368,15 @@
           </a:ln>
         </p:spPr>
         <p:txBody>
-          <a:bodyPr lIns="0" rIns="0" tIns="0" bIns="0" anchor="ctr">
+          <a:bodyPr lIns="0" tIns="0" rIns="0" bIns="0" anchor="ctr">
             <a:noAutofit/>
           </a:bodyPr>
+          <a:lstStyle/>
           <a:p>
             <a:pPr algn="ctr">
               <a:buNone/>
             </a:pPr>
-            <a:endParaRPr b="0" lang="en-IN" sz="4400" spc="-1" strike="noStrike">
+            <a:endParaRPr lang="en-IN" sz="4400" b="0" strike="noStrike" spc="-1">
               <a:latin typeface="Arial"/>
             </a:endParaRPr>
           </a:p>
@@ -1267,11 +1406,12 @@
           </a:ln>
         </p:spPr>
         <p:txBody>
-          <a:bodyPr lIns="0" rIns="0" tIns="0" bIns="0" anchor="t">
+          <a:bodyPr lIns="0" tIns="0" rIns="0" bIns="0" anchor="t">
             <a:normAutofit/>
           </a:bodyPr>
-          <a:p>
-            <a:endParaRPr b="0" lang="en-IN" sz="3200" spc="-1" strike="noStrike">
+          <a:lstStyle/>
+          <a:p>
+            <a:endParaRPr lang="en-IN" sz="3200" b="0" strike="noStrike" spc="-1">
               <a:latin typeface="Arial"/>
             </a:endParaRPr>
           </a:p>
@@ -1301,11 +1441,12 @@
           </a:ln>
         </p:spPr>
         <p:txBody>
-          <a:bodyPr lIns="0" rIns="0" tIns="0" bIns="0" anchor="t">
+          <a:bodyPr lIns="0" tIns="0" rIns="0" bIns="0" anchor="t">
             <a:normAutofit/>
           </a:bodyPr>
-          <a:p>
-            <a:endParaRPr b="0" lang="en-IN" sz="3200" spc="-1" strike="noStrike">
+          <a:lstStyle/>
+          <a:p>
+            <a:endParaRPr lang="en-IN" sz="3200" b="0" strike="noStrike" spc="-1">
               <a:latin typeface="Arial"/>
             </a:endParaRPr>
           </a:p>
@@ -1324,6 +1465,7 @@
         <p:spPr/>
         <p:txBody>
           <a:bodyPr/>
+          <a:lstStyle/>
           <a:p>
             <a:r>
               <a:t>Footer</a:t>
@@ -1344,10 +1486,12 @@
         <p:spPr/>
         <p:txBody>
           <a:bodyPr/>
+          <a:lstStyle/>
           <a:p>
             <a:fld id="{194C8E3F-71E4-42BD-B08C-1C510FAE4230}" type="slidenum">
-              <a:t>&lt;#&gt;</a:t>
+              <a:t>‹#›</a:t>
             </a:fld>
+            <a:endParaRPr/>
           </a:p>
         </p:txBody>
       </p:sp>
@@ -1364,21 +1508,22 @@
         <p:spPr/>
         <p:txBody>
           <a:bodyPr/>
-          <a:p>
-            <a:r>
-              <a:rPr lang="en-IN"/>
-              <a:t/>
-            </a:r>
+          <a:lstStyle/>
+          <a:p>
+            <a:endParaRPr/>
           </a:p>
         </p:txBody>
       </p:sp>
     </p:spTree>
   </p:cSld>
+  <p:clrMapOvr>
+    <a:masterClrMapping/>
+  </p:clrMapOvr>
 </p:sldLayout>
 </file>
 
 <file path=ppt/slideLayouts/slideLayout5.xml><?xml version="1.0" encoding="utf-8"?>
-<p:sldLayout xmlns:a="http://schemas.openxmlformats.org/drawingml/2006/main" xmlns:p="http://schemas.openxmlformats.org/presentationml/2006/main" xmlns:r="http://schemas.openxmlformats.org/officeDocument/2006/relationships" xmlns:p14="http://schemas.microsoft.com/office/powerpoint/2010/main" xmlns:p15="http://schemas.microsoft.com/office/powerpoint/2012/main" xmlns:mc="http://schemas.openxmlformats.org/markup-compatibility/2006" type="titleOnly" preserve="1">
+<p:sldLayout xmlns:a="http://schemas.openxmlformats.org/drawingml/2006/main" xmlns:r="http://schemas.openxmlformats.org/officeDocument/2006/relationships" xmlns:p="http://schemas.openxmlformats.org/presentationml/2006/main" type="titleOnly" preserve="1">
   <p:cSld name="Title Only">
     <p:spTree>
       <p:nvGrpSpPr>
@@ -1418,14 +1563,15 @@
           </a:ln>
         </p:spPr>
         <p:txBody>
-          <a:bodyPr lIns="0" rIns="0" tIns="0" bIns="0" anchor="ctr">
+          <a:bodyPr lIns="0" tIns="0" rIns="0" bIns="0" anchor="ctr">
             <a:noAutofit/>
           </a:bodyPr>
+          <a:lstStyle/>
           <a:p>
             <a:pPr algn="ctr">
               <a:buNone/>
             </a:pPr>
-            <a:endParaRPr b="0" lang="en-IN" sz="4400" spc="-1" strike="noStrike">
+            <a:endParaRPr lang="en-IN" sz="4400" b="0" strike="noStrike" spc="-1">
               <a:latin typeface="Arial"/>
             </a:endParaRPr>
           </a:p>
@@ -1444,6 +1590,7 @@
         <p:spPr/>
         <p:txBody>
           <a:bodyPr/>
+          <a:lstStyle/>
           <a:p>
             <a:r>
               <a:t>Footer</a:t>
@@ -1464,10 +1611,12 @@
         <p:spPr/>
         <p:txBody>
           <a:bodyPr/>
+          <a:lstStyle/>
           <a:p>
             <a:fld id="{54EB43DC-6D20-4917-AA18-4B6D60802DC4}" type="slidenum">
-              <a:t>&lt;#&gt;</a:t>
+              <a:t>‹#›</a:t>
             </a:fld>
+            <a:endParaRPr/>
           </a:p>
         </p:txBody>
       </p:sp>
@@ -1484,21 +1633,22 @@
         <p:spPr/>
         <p:txBody>
           <a:bodyPr/>
-          <a:p>
-            <a:r>
-              <a:rPr lang="en-IN"/>
-              <a:t/>
-            </a:r>
+          <a:lstStyle/>
+          <a:p>
+            <a:endParaRPr/>
           </a:p>
         </p:txBody>
       </p:sp>
     </p:spTree>
   </p:cSld>
+  <p:clrMapOvr>
+    <a:masterClrMapping/>
+  </p:clrMapOvr>
 </p:sldLayout>
 </file>
 
 <file path=ppt/slideLayouts/slideLayout6.xml><?xml version="1.0" encoding="utf-8"?>
-<p:sldLayout xmlns:a="http://schemas.openxmlformats.org/drawingml/2006/main" xmlns:p="http://schemas.openxmlformats.org/presentationml/2006/main" xmlns:r="http://schemas.openxmlformats.org/officeDocument/2006/relationships" xmlns:p14="http://schemas.microsoft.com/office/powerpoint/2010/main" xmlns:p15="http://schemas.microsoft.com/office/powerpoint/2012/main" xmlns:mc="http://schemas.openxmlformats.org/markup-compatibility/2006" type="objOnly" preserve="1">
+<p:sldLayout xmlns:a="http://schemas.openxmlformats.org/drawingml/2006/main" xmlns:r="http://schemas.openxmlformats.org/officeDocument/2006/relationships" xmlns:p="http://schemas.openxmlformats.org/presentationml/2006/main" type="objOnly" preserve="1">
   <p:cSld name="Centered Text">
     <p:spTree>
       <p:nvGrpSpPr>
@@ -1538,14 +1688,15 @@
           </a:ln>
         </p:spPr>
         <p:txBody>
-          <a:bodyPr lIns="0" rIns="0" tIns="0" bIns="0" anchor="ctr">
+          <a:bodyPr lIns="0" tIns="0" rIns="0" bIns="0" anchor="ctr">
             <a:noAutofit/>
           </a:bodyPr>
+          <a:lstStyle/>
           <a:p>
             <a:pPr algn="ctr">
               <a:buNone/>
             </a:pPr>
-            <a:endParaRPr b="0" lang="en-IN" sz="3200" spc="-1" strike="noStrike">
+            <a:endParaRPr lang="en-IN" sz="3200" b="0" strike="noStrike" spc="-1">
               <a:latin typeface="Arial"/>
             </a:endParaRPr>
           </a:p>
@@ -1564,6 +1715,7 @@
         <p:spPr/>
         <p:txBody>
           <a:bodyPr/>
+          <a:lstStyle/>
           <a:p>
             <a:r>
               <a:t>Footer</a:t>
@@ -1584,10 +1736,12 @@
         <p:spPr/>
         <p:txBody>
           <a:bodyPr/>
+          <a:lstStyle/>
           <a:p>
             <a:fld id="{D49DD5B6-FDEF-4403-BD8A-8E68793D1DC2}" type="slidenum">
-              <a:t>&lt;#&gt;</a:t>
+              <a:t>‹#›</a:t>
             </a:fld>
+            <a:endParaRPr/>
           </a:p>
         </p:txBody>
       </p:sp>
@@ -1604,21 +1758,22 @@
         <p:spPr/>
         <p:txBody>
           <a:bodyPr/>
-          <a:p>
-            <a:r>
-              <a:rPr lang="en-IN"/>
-              <a:t/>
-            </a:r>
+          <a:lstStyle/>
+          <a:p>
+            <a:endParaRPr/>
           </a:p>
         </p:txBody>
       </p:sp>
     </p:spTree>
   </p:cSld>
+  <p:clrMapOvr>
+    <a:masterClrMapping/>
+  </p:clrMapOvr>
 </p:sldLayout>
 </file>
 
 <file path=ppt/slideLayouts/slideLayout7.xml><?xml version="1.0" encoding="utf-8"?>
-<p:sldLayout xmlns:a="http://schemas.openxmlformats.org/drawingml/2006/main" xmlns:p="http://schemas.openxmlformats.org/presentationml/2006/main" xmlns:r="http://schemas.openxmlformats.org/officeDocument/2006/relationships" xmlns:p14="http://schemas.microsoft.com/office/powerpoint/2010/main" xmlns:p15="http://schemas.microsoft.com/office/powerpoint/2012/main" xmlns:mc="http://schemas.openxmlformats.org/markup-compatibility/2006" type="twoObjAndObj" preserve="1">
+<p:sldLayout xmlns:a="http://schemas.openxmlformats.org/drawingml/2006/main" xmlns:r="http://schemas.openxmlformats.org/officeDocument/2006/relationships" xmlns:p="http://schemas.openxmlformats.org/presentationml/2006/main" type="twoObjAndObj" preserve="1">
   <p:cSld name="Title, 2 Content and Content">
     <p:spTree>
       <p:nvGrpSpPr>
@@ -1658,14 +1813,15 @@
           </a:ln>
         </p:spPr>
         <p:txBody>
-          <a:bodyPr lIns="0" rIns="0" tIns="0" bIns="0" anchor="ctr">
+          <a:bodyPr lIns="0" tIns="0" rIns="0" bIns="0" anchor="ctr">
             <a:noAutofit/>
           </a:bodyPr>
+          <a:lstStyle/>
           <a:p>
             <a:pPr algn="ctr">
               <a:buNone/>
             </a:pPr>
-            <a:endParaRPr b="0" lang="en-IN" sz="4400" spc="-1" strike="noStrike">
+            <a:endParaRPr lang="en-IN" sz="4400" b="0" strike="noStrike" spc="-1">
               <a:latin typeface="Arial"/>
             </a:endParaRPr>
           </a:p>
@@ -1695,11 +1851,12 @@
           </a:ln>
         </p:spPr>
         <p:txBody>
-          <a:bodyPr lIns="0" rIns="0" tIns="0" bIns="0" anchor="t">
+          <a:bodyPr lIns="0" tIns="0" rIns="0" bIns="0" anchor="t">
             <a:normAutofit/>
           </a:bodyPr>
-          <a:p>
-            <a:endParaRPr b="0" lang="en-IN" sz="3200" spc="-1" strike="noStrike">
+          <a:lstStyle/>
+          <a:p>
+            <a:endParaRPr lang="en-IN" sz="3200" b="0" strike="noStrike" spc="-1">
               <a:latin typeface="Arial"/>
             </a:endParaRPr>
           </a:p>
@@ -1729,11 +1886,12 @@
           </a:ln>
         </p:spPr>
         <p:txBody>
-          <a:bodyPr lIns="0" rIns="0" tIns="0" bIns="0" anchor="t">
+          <a:bodyPr lIns="0" tIns="0" rIns="0" bIns="0" anchor="t">
             <a:normAutofit/>
           </a:bodyPr>
-          <a:p>
-            <a:endParaRPr b="0" lang="en-IN" sz="3200" spc="-1" strike="noStrike">
+          <a:lstStyle/>
+          <a:p>
+            <a:endParaRPr lang="en-IN" sz="3200" b="0" strike="noStrike" spc="-1">
               <a:latin typeface="Arial"/>
             </a:endParaRPr>
           </a:p>
@@ -1763,11 +1921,12 @@
           </a:ln>
         </p:spPr>
         <p:txBody>
-          <a:bodyPr lIns="0" rIns="0" tIns="0" bIns="0" anchor="t">
+          <a:bodyPr lIns="0" tIns="0" rIns="0" bIns="0" anchor="t">
             <a:normAutofit/>
           </a:bodyPr>
-          <a:p>
-            <a:endParaRPr b="0" lang="en-IN" sz="3200" spc="-1" strike="noStrike">
+          <a:lstStyle/>
+          <a:p>
+            <a:endParaRPr lang="en-IN" sz="3200" b="0" strike="noStrike" spc="-1">
               <a:latin typeface="Arial"/>
             </a:endParaRPr>
           </a:p>
@@ -1786,6 +1945,7 @@
         <p:spPr/>
         <p:txBody>
           <a:bodyPr/>
+          <a:lstStyle/>
           <a:p>
             <a:r>
               <a:t>Footer</a:t>
@@ -1806,10 +1966,12 @@
         <p:spPr/>
         <p:txBody>
           <a:bodyPr/>
+          <a:lstStyle/>
           <a:p>
             <a:fld id="{CC040855-14C8-4E97-81CC-109877609183}" type="slidenum">
-              <a:t>&lt;#&gt;</a:t>
+              <a:t>‹#›</a:t>
             </a:fld>
+            <a:endParaRPr/>
           </a:p>
         </p:txBody>
       </p:sp>
@@ -1826,21 +1988,22 @@
         <p:spPr/>
         <p:txBody>
           <a:bodyPr/>
-          <a:p>
-            <a:r>
-              <a:rPr lang="en-IN"/>
-              <a:t/>
-            </a:r>
+          <a:lstStyle/>
+          <a:p>
+            <a:endParaRPr/>
           </a:p>
         </p:txBody>
       </p:sp>
     </p:spTree>
   </p:cSld>
+  <p:clrMapOvr>
+    <a:masterClrMapping/>
+  </p:clrMapOvr>
 </p:sldLayout>
 </file>
 
 <file path=ppt/slideLayouts/slideLayout8.xml><?xml version="1.0" encoding="utf-8"?>
-<p:sldLayout xmlns:a="http://schemas.openxmlformats.org/drawingml/2006/main" xmlns:p="http://schemas.openxmlformats.org/presentationml/2006/main" xmlns:r="http://schemas.openxmlformats.org/officeDocument/2006/relationships" xmlns:p14="http://schemas.microsoft.com/office/powerpoint/2010/main" xmlns:p15="http://schemas.microsoft.com/office/powerpoint/2012/main" xmlns:mc="http://schemas.openxmlformats.org/markup-compatibility/2006" type="objAndTwoObj" preserve="1">
+<p:sldLayout xmlns:a="http://schemas.openxmlformats.org/drawingml/2006/main" xmlns:r="http://schemas.openxmlformats.org/officeDocument/2006/relationships" xmlns:p="http://schemas.openxmlformats.org/presentationml/2006/main" type="objAndTwoObj" preserve="1">
   <p:cSld name="Title Content and 2 Content">
     <p:spTree>
       <p:nvGrpSpPr>
@@ -1880,14 +2043,15 @@
           </a:ln>
         </p:spPr>
         <p:txBody>
-          <a:bodyPr lIns="0" rIns="0" tIns="0" bIns="0" anchor="ctr">
+          <a:bodyPr lIns="0" tIns="0" rIns="0" bIns="0" anchor="ctr">
             <a:noAutofit/>
           </a:bodyPr>
+          <a:lstStyle/>
           <a:p>
             <a:pPr algn="ctr">
               <a:buNone/>
             </a:pPr>
-            <a:endParaRPr b="0" lang="en-IN" sz="4400" spc="-1" strike="noStrike">
+            <a:endParaRPr lang="en-IN" sz="4400" b="0" strike="noStrike" spc="-1">
               <a:latin typeface="Arial"/>
             </a:endParaRPr>
           </a:p>
@@ -1917,11 +2081,12 @@
           </a:ln>
         </p:spPr>
         <p:txBody>
-          <a:bodyPr lIns="0" rIns="0" tIns="0" bIns="0" anchor="t">
+          <a:bodyPr lIns="0" tIns="0" rIns="0" bIns="0" anchor="t">
             <a:normAutofit/>
           </a:bodyPr>
-          <a:p>
-            <a:endParaRPr b="0" lang="en-IN" sz="3200" spc="-1" strike="noStrike">
+          <a:lstStyle/>
+          <a:p>
+            <a:endParaRPr lang="en-IN" sz="3200" b="0" strike="noStrike" spc="-1">
               <a:latin typeface="Arial"/>
             </a:endParaRPr>
           </a:p>
@@ -1951,11 +2116,12 @@
           </a:ln>
         </p:spPr>
         <p:txBody>
-          <a:bodyPr lIns="0" rIns="0" tIns="0" bIns="0" anchor="t">
+          <a:bodyPr lIns="0" tIns="0" rIns="0" bIns="0" anchor="t">
             <a:normAutofit/>
           </a:bodyPr>
-          <a:p>
-            <a:endParaRPr b="0" lang="en-IN" sz="3200" spc="-1" strike="noStrike">
+          <a:lstStyle/>
+          <a:p>
+            <a:endParaRPr lang="en-IN" sz="3200" b="0" strike="noStrike" spc="-1">
               <a:latin typeface="Arial"/>
             </a:endParaRPr>
           </a:p>
@@ -1985,11 +2151,12 @@
           </a:ln>
         </p:spPr>
         <p:txBody>
-          <a:bodyPr lIns="0" rIns="0" tIns="0" bIns="0" anchor="t">
+          <a:bodyPr lIns="0" tIns="0" rIns="0" bIns="0" anchor="t">
             <a:normAutofit/>
           </a:bodyPr>
-          <a:p>
-            <a:endParaRPr b="0" lang="en-IN" sz="3200" spc="-1" strike="noStrike">
+          <a:lstStyle/>
+          <a:p>
+            <a:endParaRPr lang="en-IN" sz="3200" b="0" strike="noStrike" spc="-1">
               <a:latin typeface="Arial"/>
             </a:endParaRPr>
           </a:p>
@@ -2008,6 +2175,7 @@
         <p:spPr/>
         <p:txBody>
           <a:bodyPr/>
+          <a:lstStyle/>
           <a:p>
             <a:r>
               <a:t>Footer</a:t>
@@ -2028,10 +2196,12 @@
         <p:spPr/>
         <p:txBody>
           <a:bodyPr/>
+          <a:lstStyle/>
           <a:p>
             <a:fld id="{997C5B3C-EF13-4F54-BDBB-A5F447DDD08D}" type="slidenum">
-              <a:t>&lt;#&gt;</a:t>
+              <a:t>‹#›</a:t>
             </a:fld>
+            <a:endParaRPr/>
           </a:p>
         </p:txBody>
       </p:sp>
@@ -2048,21 +2218,22 @@
         <p:spPr/>
         <p:txBody>
           <a:bodyPr/>
-          <a:p>
-            <a:r>
-              <a:rPr lang="en-IN"/>
-              <a:t/>
-            </a:r>
+          <a:lstStyle/>
+          <a:p>
+            <a:endParaRPr/>
           </a:p>
         </p:txBody>
       </p:sp>
     </p:spTree>
   </p:cSld>
+  <p:clrMapOvr>
+    <a:masterClrMapping/>
+  </p:clrMapOvr>
 </p:sldLayout>
 </file>
 
 <file path=ppt/slideLayouts/slideLayout9.xml><?xml version="1.0" encoding="utf-8"?>
-<p:sldLayout xmlns:a="http://schemas.openxmlformats.org/drawingml/2006/main" xmlns:p="http://schemas.openxmlformats.org/presentationml/2006/main" xmlns:r="http://schemas.openxmlformats.org/officeDocument/2006/relationships" xmlns:p14="http://schemas.microsoft.com/office/powerpoint/2010/main" xmlns:p15="http://schemas.microsoft.com/office/powerpoint/2012/main" xmlns:mc="http://schemas.openxmlformats.org/markup-compatibility/2006" type="twoObjOverTx" preserve="1">
+<p:sldLayout xmlns:a="http://schemas.openxmlformats.org/drawingml/2006/main" xmlns:r="http://schemas.openxmlformats.org/officeDocument/2006/relationships" xmlns:p="http://schemas.openxmlformats.org/presentationml/2006/main" type="twoObjOverTx" preserve="1">
   <p:cSld name="Title, 2 Content over Content">
     <p:spTree>
       <p:nvGrpSpPr>
@@ -2102,14 +2273,15 @@
           </a:ln>
         </p:spPr>
         <p:txBody>
-          <a:bodyPr lIns="0" rIns="0" tIns="0" bIns="0" anchor="ctr">
+          <a:bodyPr lIns="0" tIns="0" rIns="0" bIns="0" anchor="ctr">
             <a:noAutofit/>
           </a:bodyPr>
+          <a:lstStyle/>
           <a:p>
             <a:pPr algn="ctr">
               <a:buNone/>
             </a:pPr>
-            <a:endParaRPr b="0" lang="en-IN" sz="4400" spc="-1" strike="noStrike">
+            <a:endParaRPr lang="en-IN" sz="4400" b="0" strike="noStrike" spc="-1">
               <a:latin typeface="Arial"/>
             </a:endParaRPr>
           </a:p>
@@ -2139,11 +2311,12 @@
           </a:ln>
         </p:spPr>
         <p:txBody>
-          <a:bodyPr lIns="0" rIns="0" tIns="0" bIns="0" anchor="t">
+          <a:bodyPr lIns="0" tIns="0" rIns="0" bIns="0" anchor="t">
             <a:normAutofit/>
           </a:bodyPr>
-          <a:p>
-            <a:endParaRPr b="0" lang="en-IN" sz="3200" spc="-1" strike="noStrike">
+          <a:lstStyle/>
+          <a:p>
+            <a:endParaRPr lang="en-IN" sz="3200" b="0" strike="noStrike" spc="-1">
               <a:latin typeface="Arial"/>
             </a:endParaRPr>
           </a:p>
@@ -2173,11 +2346,12 @@
           </a:ln>
         </p:spPr>
         <p:txBody>
-          <a:bodyPr lIns="0" rIns="0" tIns="0" bIns="0" anchor="t">
+          <a:bodyPr lIns="0" tIns="0" rIns="0" bIns="0" anchor="t">
             <a:normAutofit/>
           </a:bodyPr>
-          <a:p>
-            <a:endParaRPr b="0" lang="en-IN" sz="3200" spc="-1" strike="noStrike">
+          <a:lstStyle/>
+          <a:p>
+            <a:endParaRPr lang="en-IN" sz="3200" b="0" strike="noStrike" spc="-1">
               <a:latin typeface="Arial"/>
             </a:endParaRPr>
           </a:p>
@@ -2207,11 +2381,12 @@
           </a:ln>
         </p:spPr>
         <p:txBody>
-          <a:bodyPr lIns="0" rIns="0" tIns="0" bIns="0" anchor="t">
+          <a:bodyPr lIns="0" tIns="0" rIns="0" bIns="0" anchor="t">
             <a:normAutofit/>
           </a:bodyPr>
-          <a:p>
-            <a:endParaRPr b="0" lang="en-IN" sz="3200" spc="-1" strike="noStrike">
+          <a:lstStyle/>
+          <a:p>
+            <a:endParaRPr lang="en-IN" sz="3200" b="0" strike="noStrike" spc="-1">
               <a:latin typeface="Arial"/>
             </a:endParaRPr>
           </a:p>
@@ -2230,6 +2405,7 @@
         <p:spPr/>
         <p:txBody>
           <a:bodyPr/>
+          <a:lstStyle/>
           <a:p>
             <a:r>
               <a:t>Footer</a:t>
@@ -2250,10 +2426,12 @@
         <p:spPr/>
         <p:txBody>
           <a:bodyPr/>
+          <a:lstStyle/>
           <a:p>
             <a:fld id="{29579EBF-3E50-4C03-AC0B-D6D8B909BE36}" type="slidenum">
-              <a:t>&lt;#&gt;</a:t>
+              <a:t>‹#›</a:t>
             </a:fld>
+            <a:endParaRPr/>
           </a:p>
         </p:txBody>
       </p:sp>
@@ -2270,27 +2448,29 @@
         <p:spPr/>
         <p:txBody>
           <a:bodyPr/>
-          <a:p>
-            <a:r>
-              <a:rPr lang="en-IN"/>
-              <a:t/>
-            </a:r>
+          <a:lstStyle/>
+          <a:p>
+            <a:endParaRPr/>
           </a:p>
         </p:txBody>
       </p:sp>
     </p:spTree>
   </p:cSld>
+  <p:clrMapOvr>
+    <a:masterClrMapping/>
+  </p:clrMapOvr>
 </p:sldLayout>
 </file>
 
 <file path=ppt/slideMasters/slideMaster1.xml><?xml version="1.0" encoding="utf-8"?>
-<p:sldMaster xmlns:a="http://schemas.openxmlformats.org/drawingml/2006/main" xmlns:p="http://schemas.openxmlformats.org/presentationml/2006/main" xmlns:r="http://schemas.openxmlformats.org/officeDocument/2006/relationships" xmlns:p14="http://schemas.microsoft.com/office/powerpoint/2010/main" xmlns:p15="http://schemas.microsoft.com/office/powerpoint/2012/main" xmlns:mc="http://schemas.openxmlformats.org/markup-compatibility/2006">
+<p:sldMaster xmlns:a="http://schemas.openxmlformats.org/drawingml/2006/main" xmlns:r="http://schemas.openxmlformats.org/officeDocument/2006/relationships" xmlns:p="http://schemas.openxmlformats.org/presentationml/2006/main">
   <p:cSld>
     <p:bg>
       <p:bgPr>
         <a:solidFill>
-          <a:srgbClr val="ffffff"/>
+          <a:srgbClr val="FFFFFF"/>
         </a:solidFill>
+        <a:effectLst/>
       </p:bgPr>
     </p:bg>
     <p:spTree>
@@ -2309,7 +2489,7 @@
       </p:grpSpPr>
       <p:sp>
         <p:nvSpPr>
-          <p:cNvPr id="0" name="PlaceHolder 1"/>
+          <p:cNvPr id="5" name="PlaceHolder 1"/>
           <p:cNvSpPr>
             <a:spLocks noGrp="1"/>
           </p:cNvSpPr>
@@ -2331,7 +2511,7 @@
           </a:ln>
         </p:spPr>
         <p:txBody>
-          <a:bodyPr lIns="90000" rIns="90000" tIns="45000" bIns="45000" anchor="ctr">
+          <a:bodyPr lIns="90000" tIns="45000" rIns="90000" bIns="45000" anchor="ctr">
             <a:noAutofit/>
           </a:bodyPr>
           <a:lstStyle>
@@ -2340,7 +2520,7 @@
                 <a:spcPct val="100000"/>
               </a:lnSpc>
               <a:buNone/>
-              <a:defRPr b="0" lang="en-IN" sz="1400" spc="-1" strike="noStrike">
+              <a:defRPr lang="en-IN" sz="1400" b="0" strike="noStrike" spc="-1">
                 <a:latin typeface="Times New Roman"/>
               </a:defRPr>
             </a:lvl1pPr>
@@ -2353,20 +2533,17 @@
               <a:buNone/>
             </a:pPr>
             <a:r>
-              <a:rPr b="0" lang="en-IN" sz="1400" spc="-1" strike="noStrike">
+              <a:rPr lang="en-IN" sz="1400" b="0" strike="noStrike" spc="-1">
                 <a:latin typeface="Times New Roman"/>
               </a:rPr>
               <a:t>&lt;footer&gt;</a:t>
             </a:r>
-            <a:endParaRPr b="0" lang="en-IN" sz="1400" spc="-1" strike="noStrike">
-              <a:latin typeface="Times New Roman"/>
-            </a:endParaRPr>
-          </a:p>
-        </p:txBody>
-      </p:sp>
-      <p:sp>
-        <p:nvSpPr>
-          <p:cNvPr id="1" name="PlaceHolder 2"/>
+          </a:p>
+        </p:txBody>
+      </p:sp>
+      <p:sp>
+        <p:nvSpPr>
+          <p:cNvPr id="6" name="PlaceHolder 2"/>
           <p:cNvSpPr>
             <a:spLocks noGrp="1"/>
           </p:cNvSpPr>
@@ -2388,7 +2565,7 @@
           </a:ln>
         </p:spPr>
         <p:txBody>
-          <a:bodyPr lIns="90000" rIns="90000" tIns="45000" bIns="45000" anchor="ctr">
+          <a:bodyPr lIns="90000" tIns="45000" rIns="90000" bIns="45000" anchor="ctr">
             <a:noAutofit/>
           </a:bodyPr>
           <a:lstStyle>
@@ -2397,9 +2574,9 @@
                 <a:spcPct val="100000"/>
               </a:lnSpc>
               <a:buNone/>
-              <a:defRPr b="0" lang="en-US" sz="900" spc="-1" strike="noStrike">
+              <a:defRPr lang="en-US" sz="900" b="0" strike="noStrike" spc="-1">
                 <a:solidFill>
-                  <a:srgbClr val="8b8b8b"/>
+                  <a:srgbClr val="8B8B8B"/>
                 </a:solidFill>
                 <a:latin typeface="Calibri"/>
               </a:defRPr>
@@ -2413,15 +2590,15 @@
               <a:buNone/>
             </a:pPr>
             <a:fld id="{6EC6134B-DED9-4E8E-9B58-9E71027BFFAA}" type="slidenum">
-              <a:rPr b="0" lang="en-US" sz="900" spc="-1" strike="noStrike">
+              <a:rPr lang="en-US" sz="900" b="0" strike="noStrike" spc="-1">
                 <a:solidFill>
-                  <a:srgbClr val="8b8b8b"/>
+                  <a:srgbClr val="8B8B8B"/>
                 </a:solidFill>
                 <a:latin typeface="Calibri"/>
               </a:rPr>
-              <a:t>&lt;number&gt;</a:t>
+              <a:t>‹#›</a:t>
             </a:fld>
-            <a:endParaRPr b="0" lang="en-IN" sz="900" spc="-1" strike="noStrike">
+            <a:endParaRPr lang="en-IN" sz="900" b="0" strike="noStrike" spc="-1">
               <a:latin typeface="Times New Roman"/>
             </a:endParaRPr>
           </a:p>
@@ -2451,26 +2628,23 @@
           </a:ln>
         </p:spPr>
         <p:txBody>
-          <a:bodyPr lIns="90000" rIns="90000" tIns="45000" bIns="45000" anchor="ctr">
+          <a:bodyPr lIns="90000" tIns="45000" rIns="90000" bIns="45000" anchor="ctr">
             <a:noAutofit/>
           </a:bodyPr>
           <a:lstStyle>
             <a:lvl1pPr>
-              <a:defRPr b="0" lang="en-IN" sz="1400" spc="-1" strike="noStrike">
+              <a:defRPr lang="en-IN" sz="1400" b="0" strike="noStrike" spc="-1">
                 <a:latin typeface="Times New Roman"/>
               </a:defRPr>
             </a:lvl1pPr>
           </a:lstStyle>
           <a:p>
             <a:r>
-              <a:rPr b="0" lang="en-IN" sz="1400" spc="-1" strike="noStrike">
+              <a:rPr lang="en-IN" sz="1400" b="0" strike="noStrike" spc="-1">
                 <a:latin typeface="Times New Roman"/>
               </a:rPr>
               <a:t>&lt;date/time&gt;</a:t>
             </a:r>
-            <a:endParaRPr b="0" lang="en-IN" sz="1400" spc="-1" strike="noStrike">
-              <a:latin typeface="Times New Roman"/>
-            </a:endParaRPr>
           </a:p>
         </p:txBody>
       </p:sp>
@@ -2498,22 +2672,20 @@
           </a:ln>
         </p:spPr>
         <p:txBody>
-          <a:bodyPr lIns="0" rIns="0" tIns="0" bIns="0" anchor="ctr">
+          <a:bodyPr lIns="0" tIns="0" rIns="0" bIns="0" anchor="ctr">
             <a:noAutofit/>
           </a:bodyPr>
+          <a:lstStyle/>
           <a:p>
             <a:pPr algn="ctr">
               <a:buNone/>
             </a:pPr>
             <a:r>
-              <a:rPr b="0" lang="en-IN" sz="4400" spc="-1" strike="noStrike">
+              <a:rPr lang="en-IN" sz="4400" b="0" strike="noStrike" spc="-1">
                 <a:latin typeface="Arial"/>
               </a:rPr>
               <a:t>Click to edit the title text format</a:t>
             </a:r>
-            <a:endParaRPr b="0" lang="en-IN" sz="4400" spc="-1" strike="noStrike">
-              <a:latin typeface="Arial"/>
-            </a:endParaRPr>
           </a:p>
         </p:txBody>
       </p:sp>
@@ -2541,9 +2713,10 @@
           </a:ln>
         </p:spPr>
         <p:txBody>
-          <a:bodyPr lIns="0" rIns="0" tIns="0" bIns="0" anchor="t">
+          <a:bodyPr lIns="0" tIns="0" rIns="0" bIns="0" anchor="t">
             <a:normAutofit/>
           </a:bodyPr>
+          <a:lstStyle/>
           <a:p>
             <a:pPr marL="432000" indent="-324000">
               <a:spcBef>
@@ -2557,17 +2730,14 @@
               <a:buChar char=""/>
             </a:pPr>
             <a:r>
-              <a:rPr b="0" lang="en-IN" sz="3200" spc="-1" strike="noStrike">
+              <a:rPr lang="en-IN" sz="3200" b="0" strike="noStrike" spc="-1">
                 <a:latin typeface="Arial"/>
               </a:rPr>
               <a:t>Click to edit the outline text format</a:t>
             </a:r>
-            <a:endParaRPr b="0" lang="en-IN" sz="3200" spc="-1" strike="noStrike">
-              <a:latin typeface="Arial"/>
-            </a:endParaRPr>
-          </a:p>
-          <a:p>
-            <a:pPr lvl="1" marL="864000" indent="-324000">
+          </a:p>
+          <a:p>
+            <a:pPr marL="864000" lvl="1" indent="-324000">
               <a:spcBef>
                 <a:spcPts val="1134"/>
               </a:spcBef>
@@ -2579,17 +2749,14 @@
               <a:buChar char=""/>
             </a:pPr>
             <a:r>
-              <a:rPr b="0" lang="en-IN" sz="2800" spc="-1" strike="noStrike">
+              <a:rPr lang="en-IN" sz="2800" b="0" strike="noStrike" spc="-1">
                 <a:latin typeface="Arial"/>
               </a:rPr>
               <a:t>Second Outline Level</a:t>
             </a:r>
-            <a:endParaRPr b="0" lang="en-IN" sz="2800" spc="-1" strike="noStrike">
-              <a:latin typeface="Arial"/>
-            </a:endParaRPr>
-          </a:p>
-          <a:p>
-            <a:pPr lvl="2" marL="1296000" indent="-288000">
+          </a:p>
+          <a:p>
+            <a:pPr marL="1296000" lvl="2" indent="-288000">
               <a:spcBef>
                 <a:spcPts val="850"/>
               </a:spcBef>
@@ -2601,17 +2768,14 @@
               <a:buChar char=""/>
             </a:pPr>
             <a:r>
-              <a:rPr b="0" lang="en-IN" sz="2400" spc="-1" strike="noStrike">
+              <a:rPr lang="en-IN" sz="2400" b="0" strike="noStrike" spc="-1">
                 <a:latin typeface="Arial"/>
               </a:rPr>
               <a:t>Third Outline Level</a:t>
             </a:r>
-            <a:endParaRPr b="0" lang="en-IN" sz="2400" spc="-1" strike="noStrike">
-              <a:latin typeface="Arial"/>
-            </a:endParaRPr>
-          </a:p>
-          <a:p>
-            <a:pPr lvl="3" marL="1728000" indent="-216000">
+          </a:p>
+          <a:p>
+            <a:pPr marL="1728000" lvl="3" indent="-216000">
               <a:spcBef>
                 <a:spcPts val="567"/>
               </a:spcBef>
@@ -2623,17 +2787,14 @@
               <a:buChar char=""/>
             </a:pPr>
             <a:r>
-              <a:rPr b="0" lang="en-IN" sz="2000" spc="-1" strike="noStrike">
+              <a:rPr lang="en-IN" sz="2000" b="0" strike="noStrike" spc="-1">
                 <a:latin typeface="Arial"/>
               </a:rPr>
               <a:t>Fourth Outline Level</a:t>
             </a:r>
-            <a:endParaRPr b="0" lang="en-IN" sz="2000" spc="-1" strike="noStrike">
-              <a:latin typeface="Arial"/>
-            </a:endParaRPr>
-          </a:p>
-          <a:p>
-            <a:pPr lvl="4" marL="2160000" indent="-216000">
+          </a:p>
+          <a:p>
+            <a:pPr marL="2160000" lvl="4" indent="-216000">
               <a:spcBef>
                 <a:spcPts val="283"/>
               </a:spcBef>
@@ -2645,17 +2806,14 @@
               <a:buChar char=""/>
             </a:pPr>
             <a:r>
-              <a:rPr b="0" lang="en-IN" sz="2000" spc="-1" strike="noStrike">
+              <a:rPr lang="en-IN" sz="2000" b="0" strike="noStrike" spc="-1">
                 <a:latin typeface="Arial"/>
               </a:rPr>
               <a:t>Fifth Outline Level</a:t>
             </a:r>
-            <a:endParaRPr b="0" lang="en-IN" sz="2000" spc="-1" strike="noStrike">
-              <a:latin typeface="Arial"/>
-            </a:endParaRPr>
-          </a:p>
-          <a:p>
-            <a:pPr lvl="5" marL="2592000" indent="-216000">
+          </a:p>
+          <a:p>
+            <a:pPr marL="2592000" lvl="5" indent="-216000">
               <a:spcBef>
                 <a:spcPts val="283"/>
               </a:spcBef>
@@ -2667,17 +2825,14 @@
               <a:buChar char=""/>
             </a:pPr>
             <a:r>
-              <a:rPr b="0" lang="en-IN" sz="2000" spc="-1" strike="noStrike">
+              <a:rPr lang="en-IN" sz="2000" b="0" strike="noStrike" spc="-1">
                 <a:latin typeface="Arial"/>
               </a:rPr>
               <a:t>Sixth Outline Level</a:t>
             </a:r>
-            <a:endParaRPr b="0" lang="en-IN" sz="2000" spc="-1" strike="noStrike">
-              <a:latin typeface="Arial"/>
-            </a:endParaRPr>
-          </a:p>
-          <a:p>
-            <a:pPr lvl="6" marL="3024000" indent="-216000">
+          </a:p>
+          <a:p>
+            <a:pPr marL="3024000" lvl="6" indent="-216000">
               <a:spcBef>
                 <a:spcPts val="283"/>
               </a:spcBef>
@@ -2689,39 +2844,316 @@
               <a:buChar char=""/>
             </a:pPr>
             <a:r>
-              <a:rPr b="0" lang="en-IN" sz="2000" spc="-1" strike="noStrike">
+              <a:rPr lang="en-IN" sz="2000" b="0" strike="noStrike" spc="-1">
                 <a:latin typeface="Arial"/>
               </a:rPr>
               <a:t>Seventh Outline Level</a:t>
             </a:r>
-            <a:endParaRPr b="0" lang="en-IN" sz="2000" spc="-1" strike="noStrike">
-              <a:latin typeface="Arial"/>
-            </a:endParaRPr>
           </a:p>
         </p:txBody>
       </p:sp>
     </p:spTree>
   </p:cSld>
-  <p:clrMap bg1="lt1" bg2="lt2" tx1="dk1" tx2="dk2" accent1="accent1" accent2="accent2" accent3="accent3" accent4="accent4" accent5="accent5" accent6="accent6" hlink="hlink" folHlink="folHlink"/>
+  <p:clrMap bg1="lt1" tx1="dk1" bg2="lt2" tx2="dk2" accent1="accent1" accent2="accent2" accent3="accent3" accent4="accent4" accent5="accent5" accent6="accent6" hlink="hlink" folHlink="folHlink"/>
   <p:sldLayoutIdLst>
-    <p:sldLayoutId id="2147483649" r:id="rId2"/>
-    <p:sldLayoutId id="2147483650" r:id="rId3"/>
-    <p:sldLayoutId id="2147483651" r:id="rId4"/>
-    <p:sldLayoutId id="2147483652" r:id="rId5"/>
-    <p:sldLayoutId id="2147483653" r:id="rId6"/>
-    <p:sldLayoutId id="2147483654" r:id="rId7"/>
-    <p:sldLayoutId id="2147483655" r:id="rId8"/>
-    <p:sldLayoutId id="2147483656" r:id="rId9"/>
-    <p:sldLayoutId id="2147483657" r:id="rId10"/>
-    <p:sldLayoutId id="2147483658" r:id="rId11"/>
-    <p:sldLayoutId id="2147483659" r:id="rId12"/>
-    <p:sldLayoutId id="2147483660" r:id="rId13"/>
+    <p:sldLayoutId id="2147483649" r:id="rId1"/>
+    <p:sldLayoutId id="2147483650" r:id="rId2"/>
+    <p:sldLayoutId id="2147483651" r:id="rId3"/>
+    <p:sldLayoutId id="2147483652" r:id="rId4"/>
+    <p:sldLayoutId id="2147483653" r:id="rId5"/>
+    <p:sldLayoutId id="2147483654" r:id="rId6"/>
+    <p:sldLayoutId id="2147483655" r:id="rId7"/>
+    <p:sldLayoutId id="2147483656" r:id="rId8"/>
+    <p:sldLayoutId id="2147483657" r:id="rId9"/>
+    <p:sldLayoutId id="2147483658" r:id="rId10"/>
+    <p:sldLayoutId id="2147483659" r:id="rId11"/>
+    <p:sldLayoutId id="2147483660" r:id="rId12"/>
   </p:sldLayoutIdLst>
+  <p:txStyles>
+    <p:titleStyle>
+      <a:lvl1pPr algn="l" defTabSz="914400" rtl="0" eaLnBrk="1" latinLnBrk="0" hangingPunct="1">
+        <a:lnSpc>
+          <a:spcPct val="90000"/>
+        </a:lnSpc>
+        <a:spcBef>
+          <a:spcPct val="0"/>
+        </a:spcBef>
+        <a:buNone/>
+        <a:defRPr sz="4400" kern="1200">
+          <a:solidFill>
+            <a:schemeClr val="tx1"/>
+          </a:solidFill>
+          <a:latin typeface="+mj-lt"/>
+          <a:ea typeface="+mj-ea"/>
+          <a:cs typeface="+mj-cs"/>
+        </a:defRPr>
+      </a:lvl1pPr>
+    </p:titleStyle>
+    <p:bodyStyle>
+      <a:lvl1pPr marL="228600" indent="-228600" algn="l" defTabSz="914400" rtl="0" eaLnBrk="1" latinLnBrk="0" hangingPunct="1">
+        <a:lnSpc>
+          <a:spcPct val="90000"/>
+        </a:lnSpc>
+        <a:spcBef>
+          <a:spcPts val="1000"/>
+        </a:spcBef>
+        <a:buFont typeface="Arial" panose="020B0604020202020204" pitchFamily="34" charset="0"/>
+        <a:buChar char="•"/>
+        <a:defRPr sz="2800" kern="1200">
+          <a:solidFill>
+            <a:schemeClr val="tx1"/>
+          </a:solidFill>
+          <a:latin typeface="+mn-lt"/>
+          <a:ea typeface="+mn-ea"/>
+          <a:cs typeface="+mn-cs"/>
+        </a:defRPr>
+      </a:lvl1pPr>
+      <a:lvl2pPr marL="685800" indent="-228600" algn="l" defTabSz="914400" rtl="0" eaLnBrk="1" latinLnBrk="0" hangingPunct="1">
+        <a:lnSpc>
+          <a:spcPct val="90000"/>
+        </a:lnSpc>
+        <a:spcBef>
+          <a:spcPts val="500"/>
+        </a:spcBef>
+        <a:buFont typeface="Arial" panose="020B0604020202020204" pitchFamily="34" charset="0"/>
+        <a:buChar char="•"/>
+        <a:defRPr sz="2400" kern="1200">
+          <a:solidFill>
+            <a:schemeClr val="tx1"/>
+          </a:solidFill>
+          <a:latin typeface="+mn-lt"/>
+          <a:ea typeface="+mn-ea"/>
+          <a:cs typeface="+mn-cs"/>
+        </a:defRPr>
+      </a:lvl2pPr>
+      <a:lvl3pPr marL="1143000" indent="-228600" algn="l" defTabSz="914400" rtl="0" eaLnBrk="1" latinLnBrk="0" hangingPunct="1">
+        <a:lnSpc>
+          <a:spcPct val="90000"/>
+        </a:lnSpc>
+        <a:spcBef>
+          <a:spcPts val="500"/>
+        </a:spcBef>
+        <a:buFont typeface="Arial" panose="020B0604020202020204" pitchFamily="34" charset="0"/>
+        <a:buChar char="•"/>
+        <a:defRPr sz="2000" kern="1200">
+          <a:solidFill>
+            <a:schemeClr val="tx1"/>
+          </a:solidFill>
+          <a:latin typeface="+mn-lt"/>
+          <a:ea typeface="+mn-ea"/>
+          <a:cs typeface="+mn-cs"/>
+        </a:defRPr>
+      </a:lvl3pPr>
+      <a:lvl4pPr marL="1600200" indent="-228600" algn="l" defTabSz="914400" rtl="0" eaLnBrk="1" latinLnBrk="0" hangingPunct="1">
+        <a:lnSpc>
+          <a:spcPct val="90000"/>
+        </a:lnSpc>
+        <a:spcBef>
+          <a:spcPts val="500"/>
+        </a:spcBef>
+        <a:buFont typeface="Arial" panose="020B0604020202020204" pitchFamily="34" charset="0"/>
+        <a:buChar char="•"/>
+        <a:defRPr sz="1800" kern="1200">
+          <a:solidFill>
+            <a:schemeClr val="tx1"/>
+          </a:solidFill>
+          <a:latin typeface="+mn-lt"/>
+          <a:ea typeface="+mn-ea"/>
+          <a:cs typeface="+mn-cs"/>
+        </a:defRPr>
+      </a:lvl4pPr>
+      <a:lvl5pPr marL="2057400" indent="-228600" algn="l" defTabSz="914400" rtl="0" eaLnBrk="1" latinLnBrk="0" hangingPunct="1">
+        <a:lnSpc>
+          <a:spcPct val="90000"/>
+        </a:lnSpc>
+        <a:spcBef>
+          <a:spcPts val="500"/>
+        </a:spcBef>
+        <a:buFont typeface="Arial" panose="020B0604020202020204" pitchFamily="34" charset="0"/>
+        <a:buChar char="•"/>
+        <a:defRPr sz="1800" kern="1200">
+          <a:solidFill>
+            <a:schemeClr val="tx1"/>
+          </a:solidFill>
+          <a:latin typeface="+mn-lt"/>
+          <a:ea typeface="+mn-ea"/>
+          <a:cs typeface="+mn-cs"/>
+        </a:defRPr>
+      </a:lvl5pPr>
+      <a:lvl6pPr marL="2514600" indent="-228600" algn="l" defTabSz="914400" rtl="0" eaLnBrk="1" latinLnBrk="0" hangingPunct="1">
+        <a:lnSpc>
+          <a:spcPct val="90000"/>
+        </a:lnSpc>
+        <a:spcBef>
+          <a:spcPts val="500"/>
+        </a:spcBef>
+        <a:buFont typeface="Arial" panose="020B0604020202020204" pitchFamily="34" charset="0"/>
+        <a:buChar char="•"/>
+        <a:defRPr sz="1800" kern="1200">
+          <a:solidFill>
+            <a:schemeClr val="tx1"/>
+          </a:solidFill>
+          <a:latin typeface="+mn-lt"/>
+          <a:ea typeface="+mn-ea"/>
+          <a:cs typeface="+mn-cs"/>
+        </a:defRPr>
+      </a:lvl6pPr>
+      <a:lvl7pPr marL="2971800" indent="-228600" algn="l" defTabSz="914400" rtl="0" eaLnBrk="1" latinLnBrk="0" hangingPunct="1">
+        <a:lnSpc>
+          <a:spcPct val="90000"/>
+        </a:lnSpc>
+        <a:spcBef>
+          <a:spcPts val="500"/>
+        </a:spcBef>
+        <a:buFont typeface="Arial" panose="020B0604020202020204" pitchFamily="34" charset="0"/>
+        <a:buChar char="•"/>
+        <a:defRPr sz="1800" kern="1200">
+          <a:solidFill>
+            <a:schemeClr val="tx1"/>
+          </a:solidFill>
+          <a:latin typeface="+mn-lt"/>
+          <a:ea typeface="+mn-ea"/>
+          <a:cs typeface="+mn-cs"/>
+        </a:defRPr>
+      </a:lvl7pPr>
+      <a:lvl8pPr marL="3429000" indent="-228600" algn="l" defTabSz="914400" rtl="0" eaLnBrk="1" latinLnBrk="0" hangingPunct="1">
+        <a:lnSpc>
+          <a:spcPct val="90000"/>
+        </a:lnSpc>
+        <a:spcBef>
+          <a:spcPts val="500"/>
+        </a:spcBef>
+        <a:buFont typeface="Arial" panose="020B0604020202020204" pitchFamily="34" charset="0"/>
+        <a:buChar char="•"/>
+        <a:defRPr sz="1800" kern="1200">
+          <a:solidFill>
+            <a:schemeClr val="tx1"/>
+          </a:solidFill>
+          <a:latin typeface="+mn-lt"/>
+          <a:ea typeface="+mn-ea"/>
+          <a:cs typeface="+mn-cs"/>
+        </a:defRPr>
+      </a:lvl8pPr>
+      <a:lvl9pPr marL="3886200" indent="-228600" algn="l" defTabSz="914400" rtl="0" eaLnBrk="1" latinLnBrk="0" hangingPunct="1">
+        <a:lnSpc>
+          <a:spcPct val="90000"/>
+        </a:lnSpc>
+        <a:spcBef>
+          <a:spcPts val="500"/>
+        </a:spcBef>
+        <a:buFont typeface="Arial" panose="020B0604020202020204" pitchFamily="34" charset="0"/>
+        <a:buChar char="•"/>
+        <a:defRPr sz="1800" kern="1200">
+          <a:solidFill>
+            <a:schemeClr val="tx1"/>
+          </a:solidFill>
+          <a:latin typeface="+mn-lt"/>
+          <a:ea typeface="+mn-ea"/>
+          <a:cs typeface="+mn-cs"/>
+        </a:defRPr>
+      </a:lvl9pPr>
+    </p:bodyStyle>
+    <p:otherStyle>
+      <a:defPPr>
+        <a:defRPr lang="en-US"/>
+      </a:defPPr>
+      <a:lvl1pPr marL="0" algn="l" defTabSz="914400" rtl="0" eaLnBrk="1" latinLnBrk="0" hangingPunct="1">
+        <a:defRPr sz="1800" kern="1200">
+          <a:solidFill>
+            <a:schemeClr val="tx1"/>
+          </a:solidFill>
+          <a:latin typeface="+mn-lt"/>
+          <a:ea typeface="+mn-ea"/>
+          <a:cs typeface="+mn-cs"/>
+        </a:defRPr>
+      </a:lvl1pPr>
+      <a:lvl2pPr marL="457200" algn="l" defTabSz="914400" rtl="0" eaLnBrk="1" latinLnBrk="0" hangingPunct="1">
+        <a:defRPr sz="1800" kern="1200">
+          <a:solidFill>
+            <a:schemeClr val="tx1"/>
+          </a:solidFill>
+          <a:latin typeface="+mn-lt"/>
+          <a:ea typeface="+mn-ea"/>
+          <a:cs typeface="+mn-cs"/>
+        </a:defRPr>
+      </a:lvl2pPr>
+      <a:lvl3pPr marL="914400" algn="l" defTabSz="914400" rtl="0" eaLnBrk="1" latinLnBrk="0" hangingPunct="1">
+        <a:defRPr sz="1800" kern="1200">
+          <a:solidFill>
+            <a:schemeClr val="tx1"/>
+          </a:solidFill>
+          <a:latin typeface="+mn-lt"/>
+          <a:ea typeface="+mn-ea"/>
+          <a:cs typeface="+mn-cs"/>
+        </a:defRPr>
+      </a:lvl3pPr>
+      <a:lvl4pPr marL="1371600" algn="l" defTabSz="914400" rtl="0" eaLnBrk="1" latinLnBrk="0" hangingPunct="1">
+        <a:defRPr sz="1800" kern="1200">
+          <a:solidFill>
+            <a:schemeClr val="tx1"/>
+          </a:solidFill>
+          <a:latin typeface="+mn-lt"/>
+          <a:ea typeface="+mn-ea"/>
+          <a:cs typeface="+mn-cs"/>
+        </a:defRPr>
+      </a:lvl4pPr>
+      <a:lvl5pPr marL="1828800" algn="l" defTabSz="914400" rtl="0" eaLnBrk="1" latinLnBrk="0" hangingPunct="1">
+        <a:defRPr sz="1800" kern="1200">
+          <a:solidFill>
+            <a:schemeClr val="tx1"/>
+          </a:solidFill>
+          <a:latin typeface="+mn-lt"/>
+          <a:ea typeface="+mn-ea"/>
+          <a:cs typeface="+mn-cs"/>
+        </a:defRPr>
+      </a:lvl5pPr>
+      <a:lvl6pPr marL="2286000" algn="l" defTabSz="914400" rtl="0" eaLnBrk="1" latinLnBrk="0" hangingPunct="1">
+        <a:defRPr sz="1800" kern="1200">
+          <a:solidFill>
+            <a:schemeClr val="tx1"/>
+          </a:solidFill>
+          <a:latin typeface="+mn-lt"/>
+          <a:ea typeface="+mn-ea"/>
+          <a:cs typeface="+mn-cs"/>
+        </a:defRPr>
+      </a:lvl6pPr>
+      <a:lvl7pPr marL="2743200" algn="l" defTabSz="914400" rtl="0" eaLnBrk="1" latinLnBrk="0" hangingPunct="1">
+        <a:defRPr sz="1800" kern="1200">
+          <a:solidFill>
+            <a:schemeClr val="tx1"/>
+          </a:solidFill>
+          <a:latin typeface="+mn-lt"/>
+          <a:ea typeface="+mn-ea"/>
+          <a:cs typeface="+mn-cs"/>
+        </a:defRPr>
+      </a:lvl7pPr>
+      <a:lvl8pPr marL="3200400" algn="l" defTabSz="914400" rtl="0" eaLnBrk="1" latinLnBrk="0" hangingPunct="1">
+        <a:defRPr sz="1800" kern="1200">
+          <a:solidFill>
+            <a:schemeClr val="tx1"/>
+          </a:solidFill>
+          <a:latin typeface="+mn-lt"/>
+          <a:ea typeface="+mn-ea"/>
+          <a:cs typeface="+mn-cs"/>
+        </a:defRPr>
+      </a:lvl8pPr>
+      <a:lvl9pPr marL="3657600" algn="l" defTabSz="914400" rtl="0" eaLnBrk="1" latinLnBrk="0" hangingPunct="1">
+        <a:defRPr sz="1800" kern="1200">
+          <a:solidFill>
+            <a:schemeClr val="tx1"/>
+          </a:solidFill>
+          <a:latin typeface="+mn-lt"/>
+          <a:ea typeface="+mn-ea"/>
+          <a:cs typeface="+mn-cs"/>
+        </a:defRPr>
+      </a:lvl9pPr>
+    </p:otherStyle>
+  </p:txStyles>
 </p:sldMaster>
 </file>
 
 <file path=ppt/slides/slide1.xml><?xml version="1.0" encoding="utf-8"?>
-<p:sld xmlns:a="http://schemas.openxmlformats.org/drawingml/2006/main" xmlns:p="http://schemas.openxmlformats.org/presentationml/2006/main" xmlns:r="http://schemas.openxmlformats.org/officeDocument/2006/relationships" xmlns:p14="http://schemas.microsoft.com/office/powerpoint/2010/main" xmlns:p15="http://schemas.microsoft.com/office/powerpoint/2012/main" xmlns:mc="http://schemas.openxmlformats.org/markup-compatibility/2006">
+<p:sld xmlns:a="http://schemas.openxmlformats.org/drawingml/2006/main" xmlns:r="http://schemas.openxmlformats.org/officeDocument/2006/relationships" xmlns:p="http://schemas.openxmlformats.org/presentationml/2006/main">
   <p:cSld>
     <p:spTree>
       <p:nvGrpSpPr>
@@ -2761,9 +3193,10 @@
           </a:ln>
         </p:spPr>
         <p:txBody>
-          <a:bodyPr lIns="90000" rIns="90000" tIns="45000" bIns="45000" anchor="ctr">
+          <a:bodyPr lIns="90000" tIns="45000" rIns="90000" bIns="45000" anchor="ctr">
             <a:noAutofit/>
           </a:bodyPr>
+          <a:lstStyle/>
           <a:p>
             <a:pPr>
               <a:lnSpc>
@@ -2772,16 +3205,16 @@
               <a:buNone/>
             </a:pPr>
             <a:r>
-              <a:rPr b="1" lang="en-US" sz="4800" spc="-1" strike="noStrike">
+              <a:rPr lang="en-US" sz="4800" b="1" strike="noStrike" spc="-1">
                 <a:solidFill>
-                  <a:srgbClr val="00b0f0"/>
+                  <a:srgbClr val="00B0F0"/>
                 </a:solidFill>
                 <a:latin typeface="Calibri Light"/>
               </a:rPr>
               <a:t>              </a:t>
             </a:r>
             <a:r>
-              <a:rPr b="1" lang="en-US" sz="4800" spc="-1" strike="noStrike">
+              <a:rPr lang="en-US" sz="4800" b="1" strike="noStrike" spc="-1">
                 <a:solidFill>
                   <a:srgbClr val="000000"/>
                 </a:solidFill>
@@ -2789,7 +3222,7 @@
               </a:rPr>
               <a:t>Syllogism</a:t>
             </a:r>
-            <a:endParaRPr b="0" lang="en-IN" sz="4800" spc="-1" strike="noStrike">
+            <a:endParaRPr lang="en-IN" sz="4800" b="0" strike="noStrike" spc="-1">
               <a:latin typeface="Arial"/>
             </a:endParaRPr>
           </a:p>
@@ -2797,19 +3230,14 @@
       </p:sp>
     </p:spTree>
   </p:cSld>
-  <mc:AlternateContent>
-    <mc:Choice Requires="p14">
-      <p:transition spd="slow" p14:dur="2000"/>
-    </mc:Choice>
-    <mc:Fallback>
-      <p:transition spd="slow"/>
-    </mc:Fallback>
-  </mc:AlternateContent>
+  <p:clrMapOvr>
+    <a:masterClrMapping/>
+  </p:clrMapOvr>
 </p:sld>
 </file>
 
 <file path=ppt/slides/slide10.xml><?xml version="1.0" encoding="utf-8"?>
-<p:sld xmlns:a="http://schemas.openxmlformats.org/drawingml/2006/main" xmlns:p="http://schemas.openxmlformats.org/presentationml/2006/main" xmlns:r="http://schemas.openxmlformats.org/officeDocument/2006/relationships" xmlns:p14="http://schemas.microsoft.com/office/powerpoint/2010/main" xmlns:p15="http://schemas.microsoft.com/office/powerpoint/2012/main" xmlns:mc="http://schemas.openxmlformats.org/markup-compatibility/2006">
+<p:sld xmlns:a="http://schemas.openxmlformats.org/drawingml/2006/main" xmlns:r="http://schemas.openxmlformats.org/officeDocument/2006/relationships" xmlns:p="http://schemas.openxmlformats.org/presentationml/2006/main">
   <p:cSld>
     <p:spTree>
       <p:nvGrpSpPr>
@@ -2849,9 +3277,10 @@
           </a:ln>
         </p:spPr>
         <p:txBody>
-          <a:bodyPr lIns="90000" rIns="90000" tIns="45000" bIns="45000" anchor="t">
+          <a:bodyPr lIns="90000" tIns="45000" rIns="90000" bIns="45000" anchor="t">
             <a:noAutofit/>
           </a:bodyPr>
+          <a:lstStyle/>
           <a:p>
             <a:pPr>
               <a:lnSpc>
@@ -2862,11 +3291,11 @@
               </a:spcBef>
               <a:buNone/>
               <a:tabLst>
-                <a:tab algn="l" pos="0"/>
+                <a:tab pos="0" algn="l"/>
               </a:tabLst>
             </a:pPr>
             <a:r>
-              <a:rPr b="0" lang="en-US" sz="2600" spc="-1" strike="noStrike">
+              <a:rPr lang="en-US" sz="2600" b="0" strike="noStrike" spc="-1">
                 <a:solidFill>
                   <a:srgbClr val="000000"/>
                 </a:solidFill>
@@ -2874,7 +3303,7 @@
               </a:rPr>
               <a:t>1. Statements: </a:t>
             </a:r>
-            <a:endParaRPr b="0" lang="en-IN" sz="2600" spc="-1" strike="noStrike">
+            <a:endParaRPr lang="en-IN" sz="2600" b="0" strike="noStrike" spc="-1">
               <a:latin typeface="Arial"/>
             </a:endParaRPr>
           </a:p>
@@ -2888,11 +3317,11 @@
               </a:spcBef>
               <a:buNone/>
               <a:tabLst>
-                <a:tab algn="l" pos="0"/>
+                <a:tab pos="0" algn="l"/>
               </a:tabLst>
             </a:pPr>
             <a:r>
-              <a:rPr b="0" lang="en-US" sz="2600" spc="-1" strike="noStrike">
+              <a:rPr lang="en-US" sz="2600" b="0" strike="noStrike" spc="-1">
                 <a:solidFill>
                   <a:srgbClr val="000000"/>
                 </a:solidFill>
@@ -2900,7 +3329,7 @@
               </a:rPr>
               <a:t>All men are dogs. </a:t>
             </a:r>
-            <a:endParaRPr b="0" lang="en-IN" sz="2600" spc="-1" strike="noStrike">
+            <a:endParaRPr lang="en-IN" sz="2600" b="0" strike="noStrike" spc="-1">
               <a:latin typeface="Arial"/>
             </a:endParaRPr>
           </a:p>
@@ -2914,11 +3343,11 @@
               </a:spcBef>
               <a:buNone/>
               <a:tabLst>
-                <a:tab algn="l" pos="0"/>
+                <a:tab pos="0" algn="l"/>
               </a:tabLst>
             </a:pPr>
             <a:r>
-              <a:rPr b="0" lang="en-US" sz="2600" spc="-1" strike="noStrike">
+              <a:rPr lang="en-US" sz="2600" b="0" strike="noStrike" spc="-1">
                 <a:solidFill>
                   <a:srgbClr val="000000"/>
                 </a:solidFill>
@@ -2926,7 +3355,7 @@
               </a:rPr>
               <a:t>All dogs are cats.</a:t>
             </a:r>
-            <a:endParaRPr b="0" lang="en-IN" sz="2600" spc="-1" strike="noStrike">
+            <a:endParaRPr lang="en-IN" sz="2600" b="0" strike="noStrike" spc="-1">
               <a:latin typeface="Arial"/>
             </a:endParaRPr>
           </a:p>
@@ -2940,10 +3369,10 @@
               </a:spcBef>
               <a:buNone/>
               <a:tabLst>
-                <a:tab algn="l" pos="0"/>
+                <a:tab pos="0" algn="l"/>
               </a:tabLst>
             </a:pPr>
-            <a:endParaRPr b="0" lang="en-IN" sz="2600" spc="-1" strike="noStrike">
+            <a:endParaRPr lang="en-IN" sz="2600" b="0" strike="noStrike" spc="-1">
               <a:latin typeface="Arial"/>
             </a:endParaRPr>
           </a:p>
@@ -2957,11 +3386,11 @@
               </a:spcBef>
               <a:buNone/>
               <a:tabLst>
-                <a:tab algn="l" pos="0"/>
+                <a:tab pos="0" algn="l"/>
               </a:tabLst>
             </a:pPr>
             <a:r>
-              <a:rPr b="0" lang="en-US" sz="2600" spc="-1" strike="noStrike">
+              <a:rPr lang="en-US" sz="2600" b="0" strike="noStrike" spc="-1">
                 <a:solidFill>
                   <a:srgbClr val="000000"/>
                 </a:solidFill>
@@ -2969,7 +3398,7 @@
               </a:rPr>
               <a:t>Conclusions. </a:t>
             </a:r>
-            <a:endParaRPr b="0" lang="en-IN" sz="2600" spc="-1" strike="noStrike">
+            <a:endParaRPr lang="en-IN" sz="2600" b="0" strike="noStrike" spc="-1">
               <a:latin typeface="Arial"/>
             </a:endParaRPr>
           </a:p>
@@ -2983,11 +3412,11 @@
               </a:spcBef>
               <a:buNone/>
               <a:tabLst>
-                <a:tab algn="l" pos="0"/>
+                <a:tab pos="0" algn="l"/>
               </a:tabLst>
             </a:pPr>
             <a:r>
-              <a:rPr b="0" lang="en-US" sz="2600" spc="-1" strike="noStrike">
+              <a:rPr lang="en-US" sz="2600" b="0" strike="noStrike" spc="-1">
                 <a:solidFill>
                   <a:srgbClr val="000000"/>
                 </a:solidFill>
@@ -2995,7 +3424,7 @@
               </a:rPr>
               <a:t>I. All men are Cats.</a:t>
             </a:r>
-            <a:endParaRPr b="0" lang="en-IN" sz="2600" spc="-1" strike="noStrike">
+            <a:endParaRPr lang="en-IN" sz="2600" b="0" strike="noStrike" spc="-1">
               <a:latin typeface="Arial"/>
             </a:endParaRPr>
           </a:p>
@@ -3009,11 +3438,11 @@
               </a:spcBef>
               <a:buNone/>
               <a:tabLst>
-                <a:tab algn="l" pos="0"/>
+                <a:tab pos="0" algn="l"/>
               </a:tabLst>
             </a:pPr>
             <a:r>
-              <a:rPr b="0" lang="en-US" sz="2600" spc="-1" strike="noStrike">
+              <a:rPr lang="en-US" sz="2600" b="0" strike="noStrike" spc="-1">
                 <a:solidFill>
                   <a:srgbClr val="000000"/>
                 </a:solidFill>
@@ -3021,7 +3450,7 @@
               </a:rPr>
               <a:t>II. All cats are men.</a:t>
             </a:r>
-            <a:endParaRPr b="0" lang="en-IN" sz="2600" spc="-1" strike="noStrike">
+            <a:endParaRPr lang="en-IN" sz="2600" b="0" strike="noStrike" spc="-1">
               <a:latin typeface="Arial"/>
             </a:endParaRPr>
           </a:p>
@@ -3035,10 +3464,10 @@
               </a:spcBef>
               <a:buNone/>
               <a:tabLst>
-                <a:tab algn="l" pos="0"/>
+                <a:tab pos="0" algn="l"/>
               </a:tabLst>
             </a:pPr>
-            <a:endParaRPr b="0" lang="en-IN" sz="2600" spc="-1" strike="noStrike">
+            <a:endParaRPr lang="en-IN" sz="2600" b="0" strike="noStrike" spc="-1">
               <a:latin typeface="Arial"/>
             </a:endParaRPr>
           </a:p>
@@ -3052,10 +3481,10 @@
               </a:spcBef>
               <a:buNone/>
               <a:tabLst>
-                <a:tab algn="l" pos="0"/>
+                <a:tab pos="0" algn="l"/>
               </a:tabLst>
             </a:pPr>
-            <a:endParaRPr b="0" lang="en-IN" sz="2600" spc="-1" strike="noStrike">
+            <a:endParaRPr lang="en-IN" sz="2600" b="0" strike="noStrike" spc="-1">
               <a:latin typeface="Arial"/>
             </a:endParaRPr>
           </a:p>
@@ -3063,19 +3492,14 @@
       </p:sp>
     </p:spTree>
   </p:cSld>
-  <mc:AlternateContent>
-    <mc:Choice Requires="p14">
-      <p:transition spd="slow" p14:dur="2000"/>
-    </mc:Choice>
-    <mc:Fallback>
-      <p:transition spd="slow"/>
-    </mc:Fallback>
-  </mc:AlternateContent>
+  <p:clrMapOvr>
+    <a:masterClrMapping/>
+  </p:clrMapOvr>
 </p:sld>
 </file>
 
 <file path=ppt/slides/slide11.xml><?xml version="1.0" encoding="utf-8"?>
-<p:sld xmlns:a="http://schemas.openxmlformats.org/drawingml/2006/main" xmlns:p="http://schemas.openxmlformats.org/presentationml/2006/main" xmlns:r="http://schemas.openxmlformats.org/officeDocument/2006/relationships" xmlns:p14="http://schemas.microsoft.com/office/powerpoint/2010/main" xmlns:p15="http://schemas.microsoft.com/office/powerpoint/2012/main" xmlns:mc="http://schemas.openxmlformats.org/markup-compatibility/2006">
+<p:sld xmlns:a="http://schemas.openxmlformats.org/drawingml/2006/main" xmlns:r="http://schemas.openxmlformats.org/officeDocument/2006/relationships" xmlns:p="http://schemas.openxmlformats.org/presentationml/2006/main">
   <p:cSld>
     <p:spTree>
       <p:nvGrpSpPr>
@@ -3115,9 +3539,10 @@
           </a:ln>
         </p:spPr>
         <p:txBody>
-          <a:bodyPr lIns="90000" rIns="90000" tIns="45000" bIns="45000" anchor="t">
+          <a:bodyPr lIns="90000" tIns="45000" rIns="90000" bIns="45000" anchor="t">
             <a:noAutofit/>
           </a:bodyPr>
+          <a:lstStyle/>
           <a:p>
             <a:pPr>
               <a:lnSpc>
@@ -3128,11 +3553,11 @@
               </a:spcBef>
               <a:buNone/>
               <a:tabLst>
-                <a:tab algn="l" pos="0"/>
+                <a:tab pos="0" algn="l"/>
               </a:tabLst>
             </a:pPr>
             <a:r>
-              <a:rPr b="0" lang="en-US" sz="2600" spc="-1" strike="noStrike">
+              <a:rPr lang="en-US" sz="2600" b="0" strike="noStrike" spc="-1">
                 <a:solidFill>
                   <a:srgbClr val="000000"/>
                 </a:solidFill>
@@ -3140,7 +3565,7 @@
               </a:rPr>
               <a:t>2. Statements: </a:t>
             </a:r>
-            <a:endParaRPr b="0" lang="en-IN" sz="2600" spc="-1" strike="noStrike">
+            <a:endParaRPr lang="en-IN" sz="2600" b="0" strike="noStrike" spc="-1">
               <a:latin typeface="Arial"/>
             </a:endParaRPr>
           </a:p>
@@ -3154,11 +3579,11 @@
               </a:spcBef>
               <a:buNone/>
               <a:tabLst>
-                <a:tab algn="l" pos="0"/>
+                <a:tab pos="0" algn="l"/>
               </a:tabLst>
             </a:pPr>
             <a:r>
-              <a:rPr b="0" lang="en-US" sz="2600" spc="-1" strike="noStrike">
+              <a:rPr lang="en-US" sz="2600" b="0" strike="noStrike" spc="-1">
                 <a:solidFill>
                   <a:srgbClr val="000000"/>
                 </a:solidFill>
@@ -3166,7 +3591,7 @@
               </a:rPr>
               <a:t>No bat is ball. </a:t>
             </a:r>
-            <a:endParaRPr b="0" lang="en-IN" sz="2600" spc="-1" strike="noStrike">
+            <a:endParaRPr lang="en-IN" sz="2600" b="0" strike="noStrike" spc="-1">
               <a:latin typeface="Arial"/>
             </a:endParaRPr>
           </a:p>
@@ -3180,11 +3605,11 @@
               </a:spcBef>
               <a:buNone/>
               <a:tabLst>
-                <a:tab algn="l" pos="0"/>
+                <a:tab pos="0" algn="l"/>
               </a:tabLst>
             </a:pPr>
             <a:r>
-              <a:rPr b="0" lang="en-US" sz="2600" spc="-1" strike="noStrike">
+              <a:rPr lang="en-US" sz="2600" b="0" strike="noStrike" spc="-1">
                 <a:solidFill>
                   <a:srgbClr val="000000"/>
                 </a:solidFill>
@@ -3192,7 +3617,7 @@
               </a:rPr>
               <a:t>No ball is wicket.</a:t>
             </a:r>
-            <a:endParaRPr b="0" lang="en-IN" sz="2600" spc="-1" strike="noStrike">
+            <a:endParaRPr lang="en-IN" sz="2600" b="0" strike="noStrike" spc="-1">
               <a:latin typeface="Arial"/>
             </a:endParaRPr>
           </a:p>
@@ -3206,11 +3631,11 @@
               </a:spcBef>
               <a:buNone/>
               <a:tabLst>
-                <a:tab algn="l" pos="0"/>
+                <a:tab pos="0" algn="l"/>
               </a:tabLst>
             </a:pPr>
             <a:r>
-              <a:rPr b="0" lang="en-US" sz="2600" spc="-1" strike="noStrike">
+              <a:rPr lang="en-US" sz="2600" b="0" strike="noStrike" spc="-1">
                 <a:solidFill>
                   <a:srgbClr val="000000"/>
                 </a:solidFill>
@@ -3218,7 +3643,7 @@
               </a:rPr>
               <a:t>Conclusions: </a:t>
             </a:r>
-            <a:endParaRPr b="0" lang="en-IN" sz="2600" spc="-1" strike="noStrike">
+            <a:endParaRPr lang="en-IN" sz="2600" b="0" strike="noStrike" spc="-1">
               <a:latin typeface="Arial"/>
             </a:endParaRPr>
           </a:p>
@@ -3232,11 +3657,11 @@
               </a:spcBef>
               <a:buNone/>
               <a:tabLst>
-                <a:tab algn="l" pos="0"/>
+                <a:tab pos="0" algn="l"/>
               </a:tabLst>
             </a:pPr>
             <a:r>
-              <a:rPr b="0" lang="en-US" sz="2600" spc="-1" strike="noStrike">
+              <a:rPr lang="en-US" sz="2600" b="0" strike="noStrike" spc="-1">
                 <a:solidFill>
                   <a:srgbClr val="000000"/>
                 </a:solidFill>
@@ -3244,7 +3669,7 @@
               </a:rPr>
               <a:t>I. No bat is wicket.</a:t>
             </a:r>
-            <a:endParaRPr b="0" lang="en-IN" sz="2600" spc="-1" strike="noStrike">
+            <a:endParaRPr lang="en-IN" sz="2600" b="0" strike="noStrike" spc="-1">
               <a:latin typeface="Arial"/>
             </a:endParaRPr>
           </a:p>
@@ -3258,11 +3683,11 @@
               </a:spcBef>
               <a:buNone/>
               <a:tabLst>
-                <a:tab algn="l" pos="0"/>
+                <a:tab pos="0" algn="l"/>
               </a:tabLst>
             </a:pPr>
             <a:r>
-              <a:rPr b="0" lang="en-US" sz="2600" spc="-1" strike="noStrike">
+              <a:rPr lang="en-US" sz="2600" b="0" strike="noStrike" spc="-1">
                 <a:solidFill>
                   <a:srgbClr val="000000"/>
                 </a:solidFill>
@@ -3270,7 +3695,7 @@
               </a:rPr>
               <a:t>II. All wickets are bats.</a:t>
             </a:r>
-            <a:endParaRPr b="0" lang="en-IN" sz="2600" spc="-1" strike="noStrike">
+            <a:endParaRPr lang="en-IN" sz="2600" b="0" strike="noStrike" spc="-1">
               <a:latin typeface="Arial"/>
             </a:endParaRPr>
           </a:p>
@@ -3284,10 +3709,10 @@
               </a:spcBef>
               <a:buNone/>
               <a:tabLst>
-                <a:tab algn="l" pos="0"/>
+                <a:tab pos="0" algn="l"/>
               </a:tabLst>
             </a:pPr>
-            <a:endParaRPr b="0" lang="en-IN" sz="2600" spc="-1" strike="noStrike">
+            <a:endParaRPr lang="en-IN" sz="2600" b="0" strike="noStrike" spc="-1">
               <a:latin typeface="Arial"/>
             </a:endParaRPr>
           </a:p>
@@ -3301,10 +3726,10 @@
               </a:spcBef>
               <a:buNone/>
               <a:tabLst>
-                <a:tab algn="l" pos="0"/>
+                <a:tab pos="0" algn="l"/>
               </a:tabLst>
             </a:pPr>
-            <a:endParaRPr b="0" lang="en-IN" sz="2600" spc="-1" strike="noStrike">
+            <a:endParaRPr lang="en-IN" sz="2600" b="0" strike="noStrike" spc="-1">
               <a:latin typeface="Arial"/>
             </a:endParaRPr>
           </a:p>
@@ -3312,19 +3737,14 @@
       </p:sp>
     </p:spTree>
   </p:cSld>
-  <mc:AlternateContent>
-    <mc:Choice Requires="p14">
-      <p:transition spd="slow" p14:dur="2000"/>
-    </mc:Choice>
-    <mc:Fallback>
-      <p:transition spd="slow"/>
-    </mc:Fallback>
-  </mc:AlternateContent>
+  <p:clrMapOvr>
+    <a:masterClrMapping/>
+  </p:clrMapOvr>
 </p:sld>
 </file>
 
 <file path=ppt/slides/slide12.xml><?xml version="1.0" encoding="utf-8"?>
-<p:sld xmlns:a="http://schemas.openxmlformats.org/drawingml/2006/main" xmlns:p="http://schemas.openxmlformats.org/presentationml/2006/main" xmlns:r="http://schemas.openxmlformats.org/officeDocument/2006/relationships" xmlns:p14="http://schemas.microsoft.com/office/powerpoint/2010/main" xmlns:p15="http://schemas.microsoft.com/office/powerpoint/2012/main" xmlns:mc="http://schemas.openxmlformats.org/markup-compatibility/2006">
+<p:sld xmlns:a="http://schemas.openxmlformats.org/drawingml/2006/main" xmlns:r="http://schemas.openxmlformats.org/officeDocument/2006/relationships" xmlns:p="http://schemas.openxmlformats.org/presentationml/2006/main">
   <p:cSld>
     <p:spTree>
       <p:nvGrpSpPr>
@@ -3364,9 +3784,10 @@
           </a:ln>
         </p:spPr>
         <p:txBody>
-          <a:bodyPr lIns="90000" rIns="90000" tIns="45000" bIns="45000" anchor="t">
+          <a:bodyPr lIns="90000" tIns="45000" rIns="90000" bIns="45000" anchor="t">
             <a:noAutofit/>
           </a:bodyPr>
+          <a:lstStyle/>
           <a:p>
             <a:pPr>
               <a:lnSpc>
@@ -3377,11 +3798,11 @@
               </a:spcBef>
               <a:buNone/>
               <a:tabLst>
-                <a:tab algn="l" pos="0"/>
+                <a:tab pos="0" algn="l"/>
               </a:tabLst>
             </a:pPr>
             <a:r>
-              <a:rPr b="0" lang="en-US" sz="2600" spc="-1" strike="noStrike">
+              <a:rPr lang="en-US" sz="2600" b="0" strike="noStrike" spc="-1">
                 <a:solidFill>
                   <a:srgbClr val="000000"/>
                 </a:solidFill>
@@ -3389,7 +3810,7 @@
               </a:rPr>
               <a:t>3. Statements: </a:t>
             </a:r>
-            <a:endParaRPr b="0" lang="en-IN" sz="2600" spc="-1" strike="noStrike">
+            <a:endParaRPr lang="en-IN" sz="2600" b="0" strike="noStrike" spc="-1">
               <a:latin typeface="Arial"/>
             </a:endParaRPr>
           </a:p>
@@ -3403,11 +3824,11 @@
               </a:spcBef>
               <a:buNone/>
               <a:tabLst>
-                <a:tab algn="l" pos="0"/>
+                <a:tab pos="0" algn="l"/>
               </a:tabLst>
             </a:pPr>
             <a:r>
-              <a:rPr b="0" lang="en-US" sz="2600" spc="-1" strike="noStrike">
+              <a:rPr lang="en-US" sz="2600" b="0" strike="noStrike" spc="-1">
                 <a:solidFill>
                   <a:srgbClr val="000000"/>
                 </a:solidFill>
@@ -3415,7 +3836,7 @@
               </a:rPr>
               <a:t>No women teacher can play. </a:t>
             </a:r>
-            <a:endParaRPr b="0" lang="en-IN" sz="2600" spc="-1" strike="noStrike">
+            <a:endParaRPr lang="en-IN" sz="2600" b="0" strike="noStrike" spc="-1">
               <a:latin typeface="Arial"/>
             </a:endParaRPr>
           </a:p>
@@ -3429,11 +3850,11 @@
               </a:spcBef>
               <a:buNone/>
               <a:tabLst>
-                <a:tab algn="l" pos="0"/>
+                <a:tab pos="0" algn="l"/>
               </a:tabLst>
             </a:pPr>
             <a:r>
-              <a:rPr b="0" lang="en-US" sz="2600" spc="-1" strike="noStrike">
+              <a:rPr lang="en-US" sz="2600" b="0" strike="noStrike" spc="-1">
                 <a:solidFill>
                   <a:srgbClr val="000000"/>
                 </a:solidFill>
@@ -3441,7 +3862,7 @@
               </a:rPr>
               <a:t>Some women teachers are athletes. </a:t>
             </a:r>
-            <a:endParaRPr b="0" lang="en-IN" sz="2600" spc="-1" strike="noStrike">
+            <a:endParaRPr lang="en-IN" sz="2600" b="0" strike="noStrike" spc="-1">
               <a:latin typeface="Arial"/>
             </a:endParaRPr>
           </a:p>
@@ -3455,11 +3876,11 @@
               </a:spcBef>
               <a:buNone/>
               <a:tabLst>
-                <a:tab algn="l" pos="0"/>
+                <a:tab pos="0" algn="l"/>
               </a:tabLst>
             </a:pPr>
             <a:r>
-              <a:rPr b="0" lang="en-US" sz="2600" spc="-1" strike="noStrike">
+              <a:rPr lang="en-US" sz="2600" b="0" strike="noStrike" spc="-1">
                 <a:solidFill>
                   <a:srgbClr val="000000"/>
                 </a:solidFill>
@@ -3467,7 +3888,7 @@
               </a:rPr>
               <a:t>Conclusions: </a:t>
             </a:r>
-            <a:endParaRPr b="0" lang="en-IN" sz="2600" spc="-1" strike="noStrike">
+            <a:endParaRPr lang="en-IN" sz="2600" b="0" strike="noStrike" spc="-1">
               <a:latin typeface="Arial"/>
             </a:endParaRPr>
           </a:p>
@@ -3481,11 +3902,11 @@
               </a:spcBef>
               <a:buNone/>
               <a:tabLst>
-                <a:tab algn="l" pos="0"/>
+                <a:tab pos="0" algn="l"/>
               </a:tabLst>
             </a:pPr>
             <a:r>
-              <a:rPr b="0" lang="en-US" sz="2600" spc="-1" strike="noStrike">
+              <a:rPr lang="en-US" sz="2600" b="0" strike="noStrike" spc="-1">
                 <a:solidFill>
                   <a:srgbClr val="000000"/>
                 </a:solidFill>
@@ -3493,7 +3914,7 @@
               </a:rPr>
               <a:t>I. Male athletes can play.</a:t>
             </a:r>
-            <a:endParaRPr b="0" lang="en-IN" sz="2600" spc="-1" strike="noStrike">
+            <a:endParaRPr lang="en-IN" sz="2600" b="0" strike="noStrike" spc="-1">
               <a:latin typeface="Arial"/>
             </a:endParaRPr>
           </a:p>
@@ -3507,11 +3928,11 @@
               </a:spcBef>
               <a:buNone/>
               <a:tabLst>
-                <a:tab algn="l" pos="0"/>
+                <a:tab pos="0" algn="l"/>
               </a:tabLst>
             </a:pPr>
             <a:r>
-              <a:rPr b="0" lang="en-US" sz="2600" spc="-1" strike="noStrike">
+              <a:rPr lang="en-US" sz="2600" b="0" strike="noStrike" spc="-1">
                 <a:solidFill>
                   <a:srgbClr val="000000"/>
                 </a:solidFill>
@@ -3519,7 +3940,7 @@
               </a:rPr>
               <a:t>II. Some athletes can play.</a:t>
             </a:r>
-            <a:endParaRPr b="0" lang="en-IN" sz="2600" spc="-1" strike="noStrike">
+            <a:endParaRPr lang="en-IN" sz="2600" b="0" strike="noStrike" spc="-1">
               <a:latin typeface="Arial"/>
             </a:endParaRPr>
           </a:p>
@@ -3533,10 +3954,10 @@
               </a:spcBef>
               <a:buNone/>
               <a:tabLst>
-                <a:tab algn="l" pos="0"/>
+                <a:tab pos="0" algn="l"/>
               </a:tabLst>
             </a:pPr>
-            <a:endParaRPr b="0" lang="en-IN" sz="2600" spc="-1" strike="noStrike">
+            <a:endParaRPr lang="en-IN" sz="2600" b="0" strike="noStrike" spc="-1">
               <a:latin typeface="Arial"/>
             </a:endParaRPr>
           </a:p>
@@ -3550,10 +3971,10 @@
               </a:spcBef>
               <a:buNone/>
               <a:tabLst>
-                <a:tab algn="l" pos="0"/>
+                <a:tab pos="0" algn="l"/>
               </a:tabLst>
             </a:pPr>
-            <a:endParaRPr b="0" lang="en-IN" sz="2600" spc="-1" strike="noStrike">
+            <a:endParaRPr lang="en-IN" sz="2600" b="0" strike="noStrike" spc="-1">
               <a:latin typeface="Arial"/>
             </a:endParaRPr>
           </a:p>
@@ -3561,19 +3982,14 @@
       </p:sp>
     </p:spTree>
   </p:cSld>
-  <mc:AlternateContent>
-    <mc:Choice Requires="p14">
-      <p:transition spd="slow" p14:dur="2000"/>
-    </mc:Choice>
-    <mc:Fallback>
-      <p:transition spd="slow"/>
-    </mc:Fallback>
-  </mc:AlternateContent>
+  <p:clrMapOvr>
+    <a:masterClrMapping/>
+  </p:clrMapOvr>
 </p:sld>
 </file>
 
 <file path=ppt/slides/slide13.xml><?xml version="1.0" encoding="utf-8"?>
-<p:sld xmlns:a="http://schemas.openxmlformats.org/drawingml/2006/main" xmlns:p="http://schemas.openxmlformats.org/presentationml/2006/main" xmlns:r="http://schemas.openxmlformats.org/officeDocument/2006/relationships" xmlns:p14="http://schemas.microsoft.com/office/powerpoint/2010/main" xmlns:p15="http://schemas.microsoft.com/office/powerpoint/2012/main" xmlns:mc="http://schemas.openxmlformats.org/markup-compatibility/2006">
+<p:sld xmlns:a="http://schemas.openxmlformats.org/drawingml/2006/main" xmlns:r="http://schemas.openxmlformats.org/officeDocument/2006/relationships" xmlns:p="http://schemas.openxmlformats.org/presentationml/2006/main">
   <p:cSld>
     <p:spTree>
       <p:nvGrpSpPr>
@@ -3613,9 +4029,10 @@
           </a:ln>
         </p:spPr>
         <p:txBody>
-          <a:bodyPr lIns="90000" rIns="90000" tIns="45000" bIns="45000" anchor="ctr">
+          <a:bodyPr lIns="90000" tIns="45000" rIns="90000" bIns="45000" anchor="ctr">
             <a:noAutofit/>
           </a:bodyPr>
+          <a:lstStyle/>
           <a:p>
             <a:pPr>
               <a:lnSpc>
@@ -3624,16 +4041,16 @@
               <a:buNone/>
             </a:pPr>
             <a:r>
-              <a:rPr b="1" lang="en-US" sz="4800" spc="-1" strike="noStrike">
+              <a:rPr lang="en-US" sz="4800" b="1" strike="noStrike" spc="-1">
                 <a:solidFill>
-                  <a:srgbClr val="00b0f0"/>
+                  <a:srgbClr val="00B0F0"/>
                 </a:solidFill>
                 <a:latin typeface="Calibri Light"/>
               </a:rPr>
               <a:t>              </a:t>
             </a:r>
             <a:r>
-              <a:rPr b="1" lang="en-US" sz="4800" spc="-1" strike="noStrike">
+              <a:rPr lang="en-US" sz="4800" b="1" strike="noStrike" spc="-1">
                 <a:solidFill>
                   <a:srgbClr val="000000"/>
                 </a:solidFill>
@@ -3645,7 +4062,7 @@
               <a:rPr sz="4800"/>
             </a:br>
             <a:r>
-              <a:rPr b="1" lang="en-US" sz="4800" spc="-1" strike="noStrike">
+              <a:rPr lang="en-US" sz="4800" b="1" strike="noStrike" spc="-1">
                 <a:solidFill>
                   <a:srgbClr val="000000"/>
                 </a:solidFill>
@@ -3653,7 +4070,7 @@
               </a:rPr>
               <a:t>          Based Questions</a:t>
             </a:r>
-            <a:endParaRPr b="0" lang="en-IN" sz="4800" spc="-1" strike="noStrike">
+            <a:endParaRPr lang="en-IN" sz="4800" b="0" strike="noStrike" spc="-1">
               <a:latin typeface="Arial"/>
             </a:endParaRPr>
           </a:p>
@@ -3661,19 +4078,14 @@
       </p:sp>
     </p:spTree>
   </p:cSld>
-  <mc:AlternateContent>
-    <mc:Choice Requires="p14">
-      <p:transition spd="slow" p14:dur="2000"/>
-    </mc:Choice>
-    <mc:Fallback>
-      <p:transition spd="slow"/>
-    </mc:Fallback>
-  </mc:AlternateContent>
+  <p:clrMapOvr>
+    <a:masterClrMapping/>
+  </p:clrMapOvr>
 </p:sld>
 </file>
 
 <file path=ppt/slides/slide14.xml><?xml version="1.0" encoding="utf-8"?>
-<p:sld xmlns:a="http://schemas.openxmlformats.org/drawingml/2006/main" xmlns:p="http://schemas.openxmlformats.org/presentationml/2006/main" xmlns:r="http://schemas.openxmlformats.org/officeDocument/2006/relationships" xmlns:p14="http://schemas.microsoft.com/office/powerpoint/2010/main" xmlns:p15="http://schemas.microsoft.com/office/powerpoint/2012/main" xmlns:mc="http://schemas.openxmlformats.org/markup-compatibility/2006">
+<p:sld xmlns:a="http://schemas.openxmlformats.org/drawingml/2006/main" xmlns:r="http://schemas.openxmlformats.org/officeDocument/2006/relationships" xmlns:p="http://schemas.openxmlformats.org/presentationml/2006/main">
   <p:cSld>
     <p:spTree>
       <p:nvGrpSpPr>
@@ -3713,9 +4125,10 @@
           </a:ln>
         </p:spPr>
         <p:txBody>
-          <a:bodyPr lIns="90000" rIns="90000" tIns="45000" bIns="45000" anchor="t">
+          <a:bodyPr lIns="90000" tIns="45000" rIns="90000" bIns="45000" anchor="t">
             <a:noAutofit/>
           </a:bodyPr>
+          <a:lstStyle/>
           <a:p>
             <a:pPr>
               <a:lnSpc>
@@ -3726,11 +4139,11 @@
               </a:spcBef>
               <a:buNone/>
               <a:tabLst>
-                <a:tab algn="l" pos="0"/>
+                <a:tab pos="0" algn="l"/>
               </a:tabLst>
             </a:pPr>
             <a:r>
-              <a:rPr b="0" lang="en-US" sz="2600" spc="-1" strike="noStrike">
+              <a:rPr lang="en-US" sz="2600" b="0" strike="noStrike" spc="-1">
                 <a:solidFill>
                   <a:srgbClr val="000000"/>
                 </a:solidFill>
@@ -3738,7 +4151,7 @@
               </a:rPr>
               <a:t>4. Statements:</a:t>
             </a:r>
-            <a:endParaRPr b="0" lang="en-IN" sz="2600" spc="-1" strike="noStrike">
+            <a:endParaRPr lang="en-IN" sz="2600" b="0" strike="noStrike" spc="-1">
               <a:latin typeface="Arial"/>
             </a:endParaRPr>
           </a:p>
@@ -3752,11 +4165,11 @@
               </a:spcBef>
               <a:buNone/>
               <a:tabLst>
-                <a:tab algn="l" pos="0"/>
+                <a:tab pos="0" algn="l"/>
               </a:tabLst>
             </a:pPr>
             <a:r>
-              <a:rPr b="0" lang="en-US" sz="2600" spc="-1" strike="noStrike">
+              <a:rPr lang="en-US" sz="2600" b="0" strike="noStrike" spc="-1">
                 <a:solidFill>
                   <a:srgbClr val="000000"/>
                 </a:solidFill>
@@ -3764,7 +4177,7 @@
               </a:rPr>
               <a:t>All buildings are houses.</a:t>
             </a:r>
-            <a:endParaRPr b="0" lang="en-IN" sz="2600" spc="-1" strike="noStrike">
+            <a:endParaRPr lang="en-IN" sz="2600" b="0" strike="noStrike" spc="-1">
               <a:latin typeface="Arial"/>
             </a:endParaRPr>
           </a:p>
@@ -3778,11 +4191,11 @@
               </a:spcBef>
               <a:buNone/>
               <a:tabLst>
-                <a:tab algn="l" pos="0"/>
+                <a:tab pos="0" algn="l"/>
               </a:tabLst>
             </a:pPr>
             <a:r>
-              <a:rPr b="0" lang="en-US" sz="2600" spc="-1" strike="noStrike">
+              <a:rPr lang="en-US" sz="2600" b="0" strike="noStrike" spc="-1">
                 <a:solidFill>
                   <a:srgbClr val="000000"/>
                 </a:solidFill>
@@ -3790,7 +4203,7 @@
               </a:rPr>
               <a:t>No house is an apartment.</a:t>
             </a:r>
-            <a:endParaRPr b="0" lang="en-IN" sz="2600" spc="-1" strike="noStrike">
+            <a:endParaRPr lang="en-IN" sz="2600" b="0" strike="noStrike" spc="-1">
               <a:latin typeface="Arial"/>
             </a:endParaRPr>
           </a:p>
@@ -3804,11 +4217,11 @@
               </a:spcBef>
               <a:buNone/>
               <a:tabLst>
-                <a:tab algn="l" pos="0"/>
+                <a:tab pos="0" algn="l"/>
               </a:tabLst>
             </a:pPr>
             <a:r>
-              <a:rPr b="0" lang="en-US" sz="2600" spc="-1" strike="noStrike">
+              <a:rPr lang="en-US" sz="2600" b="0" strike="noStrike" spc="-1">
                 <a:solidFill>
                   <a:srgbClr val="000000"/>
                 </a:solidFill>
@@ -3816,7 +4229,7 @@
               </a:rPr>
               <a:t>All apartments are flats.</a:t>
             </a:r>
-            <a:endParaRPr b="0" lang="en-IN" sz="2600" spc="-1" strike="noStrike">
+            <a:endParaRPr lang="en-IN" sz="2600" b="0" strike="noStrike" spc="-1">
               <a:latin typeface="Arial"/>
             </a:endParaRPr>
           </a:p>
@@ -3830,10 +4243,10 @@
               </a:spcBef>
               <a:buNone/>
               <a:tabLst>
-                <a:tab algn="l" pos="0"/>
+                <a:tab pos="0" algn="l"/>
               </a:tabLst>
             </a:pPr>
-            <a:endParaRPr b="0" lang="en-IN" sz="2600" spc="-1" strike="noStrike">
+            <a:endParaRPr lang="en-IN" sz="2600" b="0" strike="noStrike" spc="-1">
               <a:latin typeface="Arial"/>
             </a:endParaRPr>
           </a:p>
@@ -3847,10 +4260,10 @@
               </a:spcBef>
               <a:buNone/>
               <a:tabLst>
-                <a:tab algn="l" pos="0"/>
+                <a:tab pos="0" algn="l"/>
               </a:tabLst>
             </a:pPr>
-            <a:endParaRPr b="0" lang="en-IN" sz="2600" spc="-1" strike="noStrike">
+            <a:endParaRPr lang="en-IN" sz="2600" b="0" strike="noStrike" spc="-1">
               <a:latin typeface="Arial"/>
             </a:endParaRPr>
           </a:p>
@@ -3858,43 +4271,38 @@
       </p:sp>
     </p:spTree>
   </p:cSld>
-  <mc:AlternateContent>
-    <mc:Choice Requires="p14">
-      <p:transition spd="slow" p14:dur="2000"/>
-    </mc:Choice>
-    <mc:Fallback>
-      <p:transition spd="slow"/>
-    </mc:Fallback>
-  </mc:AlternateContent>
+  <p:clrMapOvr>
+    <a:masterClrMapping/>
+  </p:clrMapOvr>
   <p:timing>
     <p:tnLst>
       <p:par>
-        <p:cTn id="15" dur="indefinite" restart="never" nodeType="tmRoot">
+        <p:cTn id="1" dur="indefinite" restart="never" nodeType="tmRoot">
           <p:childTnLst>
             <p:seq>
-              <p:cTn id="16" dur="indefinite" nodeType="mainSeq">
+              <p:cTn id="2" dur="indefinite" nodeType="mainSeq">
                 <p:childTnLst>
                   <p:par>
-                    <p:cTn id="17" fill="hold">
+                    <p:cTn id="3" fill="hold">
                       <p:stCondLst>
                         <p:cond delay="indefinite"/>
                       </p:stCondLst>
                       <p:childTnLst>
                         <p:par>
-                          <p:cTn id="18" fill="hold">
+                          <p:cTn id="4" fill="hold">
                             <p:stCondLst>
                               <p:cond delay="0"/>
                             </p:stCondLst>
                             <p:childTnLst>
                               <p:par>
-                                <p:cTn id="19" nodeType="clickEffect" fill="hold" presetClass="entr" presetID="22" presetSubtype="4">
+                                <p:cTn id="5" presetID="22" presetClass="entr" presetSubtype="4" fill="hold" nodeType="clickEffect">
                                   <p:stCondLst>
                                     <p:cond delay="0"/>
                                   </p:stCondLst>
                                   <p:childTnLst>
                                     <p:set>
                                       <p:cBhvr>
-                                        <p:cTn id="20" dur="1" fill="hold">
+                                        <p:cTn id="6" dur="1" fill="hold">
                                           <p:stCondLst>
                                             <p:cond delay="0"/>
                                           </p:stCondLst>
@@ -3914,9 +4322,9 @@
                                         <p:strVal val="visible"/>
                                       </p:to>
                                     </p:set>
-                                    <p:animEffect filter="wipe(down)" transition="in">
+                                    <p:animEffect transition="in" filter="wipe(down)">
                                       <p:cBhvr additive="repl">
-                                        <p:cTn id="21" dur="500"/>
+                                        <p:cTn id="7" dur="500"/>
                                         <p:tgtEl>
                                           <p:spTgt spid="55">
                                             <p:txEl>
@@ -3938,14 +4346,14 @@
                 </p:childTnLst>
               </p:cTn>
               <p:prevCondLst>
-                <p:cond evt="onPrev">
+                <p:cond evt="onPrev" delay="0">
                   <p:tgtEl>
                     <p:sldTgt/>
                   </p:tgtEl>
                 </p:cond>
               </p:prevCondLst>
               <p:nextCondLst>
-                <p:cond evt="onNext">
+                <p:cond evt="onNext" delay="0">
                   <p:tgtEl>
                     <p:sldTgt/>
                   </p:tgtEl>
@@ -3961,7 +4369,7 @@
 </file>
 
 <file path=ppt/slides/slide15.xml><?xml version="1.0" encoding="utf-8"?>
-<p:sld xmlns:a="http://schemas.openxmlformats.org/drawingml/2006/main" xmlns:p="http://schemas.openxmlformats.org/presentationml/2006/main" xmlns:r="http://schemas.openxmlformats.org/officeDocument/2006/relationships" xmlns:p14="http://schemas.microsoft.com/office/powerpoint/2010/main" xmlns:p15="http://schemas.microsoft.com/office/powerpoint/2012/main" xmlns:mc="http://schemas.openxmlformats.org/markup-compatibility/2006">
+<p:sld xmlns:a="http://schemas.openxmlformats.org/drawingml/2006/main" xmlns:r="http://schemas.openxmlformats.org/officeDocument/2006/relationships" xmlns:p="http://schemas.openxmlformats.org/presentationml/2006/main">
   <p:cSld>
     <p:spTree>
       <p:nvGrpSpPr>
@@ -4001,9 +4409,10 @@
           </a:ln>
         </p:spPr>
         <p:txBody>
-          <a:bodyPr lIns="90000" rIns="90000" tIns="45000" bIns="45000" anchor="t">
+          <a:bodyPr lIns="90000" tIns="45000" rIns="90000" bIns="45000" anchor="t">
             <a:noAutofit/>
           </a:bodyPr>
+          <a:lstStyle/>
           <a:p>
             <a:pPr>
               <a:lnSpc>
@@ -4014,11 +4423,11 @@
               </a:spcBef>
               <a:buNone/>
               <a:tabLst>
-                <a:tab algn="l" pos="0"/>
+                <a:tab pos="0" algn="l"/>
               </a:tabLst>
             </a:pPr>
             <a:r>
-              <a:rPr b="0" lang="en-US" sz="2600" spc="-1" strike="noStrike">
+              <a:rPr lang="en-US" sz="2600" b="0" strike="noStrike" spc="-1">
                 <a:solidFill>
                   <a:srgbClr val="000000"/>
                 </a:solidFill>
@@ -4026,7 +4435,7 @@
               </a:rPr>
               <a:t>5. Statements:</a:t>
             </a:r>
-            <a:endParaRPr b="0" lang="en-IN" sz="2600" spc="-1" strike="noStrike">
+            <a:endParaRPr lang="en-IN" sz="2600" b="0" strike="noStrike" spc="-1">
               <a:latin typeface="Arial"/>
             </a:endParaRPr>
           </a:p>
@@ -4040,11 +4449,11 @@
               </a:spcBef>
               <a:buNone/>
               <a:tabLst>
-                <a:tab algn="l" pos="0"/>
+                <a:tab pos="0" algn="l"/>
               </a:tabLst>
             </a:pPr>
             <a:r>
-              <a:rPr b="0" lang="en-US" sz="2600" spc="-1" strike="noStrike">
+              <a:rPr lang="en-US" sz="2600" b="0" strike="noStrike" spc="-1">
                 <a:solidFill>
                   <a:srgbClr val="000000"/>
                 </a:solidFill>
@@ -4052,7 +4461,7 @@
               </a:rPr>
               <a:t>Some oceans are seas.</a:t>
             </a:r>
-            <a:endParaRPr b="0" lang="en-IN" sz="2600" spc="-1" strike="noStrike">
+            <a:endParaRPr lang="en-IN" sz="2600" b="0" strike="noStrike" spc="-1">
               <a:latin typeface="Arial"/>
             </a:endParaRPr>
           </a:p>
@@ -4066,11 +4475,11 @@
               </a:spcBef>
               <a:buNone/>
               <a:tabLst>
-                <a:tab algn="l" pos="0"/>
+                <a:tab pos="0" algn="l"/>
               </a:tabLst>
             </a:pPr>
             <a:r>
-              <a:rPr b="0" lang="en-US" sz="2600" spc="-1" strike="noStrike">
+              <a:rPr lang="en-US" sz="2600" b="0" strike="noStrike" spc="-1">
                 <a:solidFill>
                   <a:srgbClr val="000000"/>
                 </a:solidFill>
@@ -4078,7 +4487,7 @@
               </a:rPr>
               <a:t>All oceans are rivers.</a:t>
             </a:r>
-            <a:endParaRPr b="0" lang="en-IN" sz="2600" spc="-1" strike="noStrike">
+            <a:endParaRPr lang="en-IN" sz="2600" b="0" strike="noStrike" spc="-1">
               <a:latin typeface="Arial"/>
             </a:endParaRPr>
           </a:p>
@@ -4092,11 +4501,11 @@
               </a:spcBef>
               <a:buNone/>
               <a:tabLst>
-                <a:tab algn="l" pos="0"/>
+                <a:tab pos="0" algn="l"/>
               </a:tabLst>
             </a:pPr>
             <a:r>
-              <a:rPr b="0" lang="en-US" sz="2600" spc="-1" strike="noStrike">
+              <a:rPr lang="en-US" sz="2600" b="0" strike="noStrike" spc="-1">
                 <a:solidFill>
                   <a:srgbClr val="000000"/>
                 </a:solidFill>
@@ -4104,7 +4513,7 @@
               </a:rPr>
               <a:t>No river is a canal.</a:t>
             </a:r>
-            <a:endParaRPr b="0" lang="en-IN" sz="2600" spc="-1" strike="noStrike">
+            <a:endParaRPr lang="en-IN" sz="2600" b="0" strike="noStrike" spc="-1">
               <a:latin typeface="Arial"/>
             </a:endParaRPr>
           </a:p>
@@ -4118,10 +4527,10 @@
               </a:spcBef>
               <a:buNone/>
               <a:tabLst>
-                <a:tab algn="l" pos="0"/>
+                <a:tab pos="0" algn="l"/>
               </a:tabLst>
             </a:pPr>
-            <a:endParaRPr b="0" lang="en-IN" sz="2600" spc="-1" strike="noStrike">
+            <a:endParaRPr lang="en-IN" sz="2600" b="0" strike="noStrike" spc="-1">
               <a:latin typeface="Arial"/>
             </a:endParaRPr>
           </a:p>
@@ -4135,10 +4544,10 @@
               </a:spcBef>
               <a:buNone/>
               <a:tabLst>
-                <a:tab algn="l" pos="0"/>
+                <a:tab pos="0" algn="l"/>
               </a:tabLst>
             </a:pPr>
-            <a:endParaRPr b="0" lang="en-IN" sz="2600" spc="-1" strike="noStrike">
+            <a:endParaRPr lang="en-IN" sz="2600" b="0" strike="noStrike" spc="-1">
               <a:latin typeface="Arial"/>
             </a:endParaRPr>
           </a:p>
@@ -4146,43 +4555,38 @@
       </p:sp>
     </p:spTree>
   </p:cSld>
-  <mc:AlternateContent>
-    <mc:Choice Requires="p14">
-      <p:transition spd="slow" p14:dur="2000"/>
-    </mc:Choice>
-    <mc:Fallback>
-      <p:transition spd="slow"/>
-    </mc:Fallback>
-  </mc:AlternateContent>
+  <p:clrMapOvr>
+    <a:masterClrMapping/>
+  </p:clrMapOvr>
   <p:timing>
     <p:tnLst>
       <p:par>
-        <p:cTn id="22" dur="indefinite" restart="never" nodeType="tmRoot">
+        <p:cTn id="1" dur="indefinite" restart="never" nodeType="tmRoot">
           <p:childTnLst>
             <p:seq>
-              <p:cTn id="23" dur="indefinite" nodeType="mainSeq">
+              <p:cTn id="2" dur="indefinite" nodeType="mainSeq">
                 <p:childTnLst>
                   <p:par>
-                    <p:cTn id="24" fill="hold">
+                    <p:cTn id="3" fill="hold">
                       <p:stCondLst>
                         <p:cond delay="indefinite"/>
                       </p:stCondLst>
                       <p:childTnLst>
                         <p:par>
-                          <p:cTn id="25" fill="hold">
+                          <p:cTn id="4" fill="hold">
                             <p:stCondLst>
                               <p:cond delay="0"/>
                             </p:stCondLst>
                             <p:childTnLst>
                               <p:par>
-                                <p:cTn id="26" nodeType="clickEffect" fill="hold" presetClass="entr" presetID="22" presetSubtype="4">
+                                <p:cTn id="5" presetID="22" presetClass="entr" presetSubtype="4" fill="hold" nodeType="clickEffect">
                                   <p:stCondLst>
                                     <p:cond delay="0"/>
                                   </p:stCondLst>
                                   <p:childTnLst>
                                     <p:set>
                                       <p:cBhvr>
-                                        <p:cTn id="27" dur="1" fill="hold">
+                                        <p:cTn id="6" dur="1" fill="hold">
                                           <p:stCondLst>
                                             <p:cond delay="0"/>
                                           </p:stCondLst>
@@ -4202,9 +4606,9 @@
                                         <p:strVal val="visible"/>
                                       </p:to>
                                     </p:set>
-                                    <p:animEffect filter="wipe(down)" transition="in">
+                                    <p:animEffect transition="in" filter="wipe(down)">
                                       <p:cBhvr additive="repl">
-                                        <p:cTn id="28" dur="500"/>
+                                        <p:cTn id="7" dur="500"/>
                                         <p:tgtEl>
                                           <p:spTgt spid="56">
                                             <p:txEl>
@@ -4226,14 +4630,14 @@
                 </p:childTnLst>
               </p:cTn>
               <p:prevCondLst>
-                <p:cond evt="onPrev">
+                <p:cond evt="onPrev" delay="0">
                   <p:tgtEl>
                     <p:sldTgt/>
                   </p:tgtEl>
                 </p:cond>
               </p:prevCondLst>
               <p:nextCondLst>
-                <p:cond evt="onNext">
+                <p:cond evt="onNext" delay="0">
                   <p:tgtEl>
                     <p:sldTgt/>
                   </p:tgtEl>
@@ -4249,7 +4653,7 @@
 </file>
 
 <file path=ppt/slides/slide16.xml><?xml version="1.0" encoding="utf-8"?>
-<p:sld xmlns:a="http://schemas.openxmlformats.org/drawingml/2006/main" xmlns:p="http://schemas.openxmlformats.org/presentationml/2006/main" xmlns:r="http://schemas.openxmlformats.org/officeDocument/2006/relationships" xmlns:p14="http://schemas.microsoft.com/office/powerpoint/2010/main" xmlns:p15="http://schemas.microsoft.com/office/powerpoint/2012/main" xmlns:mc="http://schemas.openxmlformats.org/markup-compatibility/2006">
+<p:sld xmlns:a="http://schemas.openxmlformats.org/drawingml/2006/main" xmlns:r="http://schemas.openxmlformats.org/officeDocument/2006/relationships" xmlns:p="http://schemas.openxmlformats.org/presentationml/2006/main">
   <p:cSld>
     <p:spTree>
       <p:nvGrpSpPr>
@@ -4289,9 +4693,10 @@
           </a:ln>
         </p:spPr>
         <p:txBody>
-          <a:bodyPr lIns="90000" rIns="90000" tIns="45000" bIns="45000" anchor="t">
+          <a:bodyPr lIns="90000" tIns="45000" rIns="90000" bIns="45000" anchor="t">
             <a:noAutofit/>
           </a:bodyPr>
+          <a:lstStyle/>
           <a:p>
             <a:pPr>
               <a:lnSpc>
@@ -4302,11 +4707,11 @@
               </a:spcBef>
               <a:buNone/>
               <a:tabLst>
-                <a:tab algn="l" pos="0"/>
+                <a:tab pos="0" algn="l"/>
               </a:tabLst>
             </a:pPr>
             <a:r>
-              <a:rPr b="0" lang="en-US" sz="2600" spc="-1" strike="noStrike">
+              <a:rPr lang="en-US" sz="2600" b="0" strike="noStrike" spc="-1">
                 <a:solidFill>
                   <a:srgbClr val="000000"/>
                 </a:solidFill>
@@ -4314,7 +4719,7 @@
               </a:rPr>
               <a:t>6. Statements:</a:t>
             </a:r>
-            <a:endParaRPr b="0" lang="en-IN" sz="2600" spc="-1" strike="noStrike">
+            <a:endParaRPr lang="en-IN" sz="2600" b="0" strike="noStrike" spc="-1">
               <a:latin typeface="Arial"/>
             </a:endParaRPr>
           </a:p>
@@ -4328,11 +4733,11 @@
               </a:spcBef>
               <a:buNone/>
               <a:tabLst>
-                <a:tab algn="l" pos="0"/>
+                <a:tab pos="0" algn="l"/>
               </a:tabLst>
             </a:pPr>
             <a:r>
-              <a:rPr b="0" lang="en-US" sz="2600" spc="-1" strike="noStrike">
+              <a:rPr lang="en-US" sz="2600" b="0" strike="noStrike" spc="-1">
                 <a:solidFill>
                   <a:srgbClr val="000000"/>
                 </a:solidFill>
@@ -4340,7 +4745,7 @@
               </a:rPr>
               <a:t>No day is night.</a:t>
             </a:r>
-            <a:endParaRPr b="0" lang="en-IN" sz="2600" spc="-1" strike="noStrike">
+            <a:endParaRPr lang="en-IN" sz="2600" b="0" strike="noStrike" spc="-1">
               <a:latin typeface="Arial"/>
             </a:endParaRPr>
           </a:p>
@@ -4354,11 +4759,11 @@
               </a:spcBef>
               <a:buNone/>
               <a:tabLst>
-                <a:tab algn="l" pos="0"/>
+                <a:tab pos="0" algn="l"/>
               </a:tabLst>
             </a:pPr>
             <a:r>
-              <a:rPr b="0" lang="en-US" sz="2600" spc="-1" strike="noStrike">
+              <a:rPr lang="en-US" sz="2600" b="0" strike="noStrike" spc="-1">
                 <a:solidFill>
                   <a:srgbClr val="000000"/>
                 </a:solidFill>
@@ -4366,7 +4771,7 @@
               </a:rPr>
               <a:t>All nights are noon.</a:t>
             </a:r>
-            <a:endParaRPr b="0" lang="en-IN" sz="2600" spc="-1" strike="noStrike">
+            <a:endParaRPr lang="en-IN" sz="2600" b="0" strike="noStrike" spc="-1">
               <a:latin typeface="Arial"/>
             </a:endParaRPr>
           </a:p>
@@ -4380,11 +4785,11 @@
               </a:spcBef>
               <a:buNone/>
               <a:tabLst>
-                <a:tab algn="l" pos="0"/>
+                <a:tab pos="0" algn="l"/>
               </a:tabLst>
             </a:pPr>
             <a:r>
-              <a:rPr b="0" lang="en-US" sz="2600" spc="-1" strike="noStrike">
+              <a:rPr lang="en-US" sz="2600" b="0" strike="noStrike" spc="-1">
                 <a:solidFill>
                   <a:srgbClr val="000000"/>
                 </a:solidFill>
@@ -4392,7 +4797,7 @@
               </a:rPr>
               <a:t>No noon is an evening</a:t>
             </a:r>
-            <a:endParaRPr b="0" lang="en-IN" sz="2600" spc="-1" strike="noStrike">
+            <a:endParaRPr lang="en-IN" sz="2600" b="0" strike="noStrike" spc="-1">
               <a:latin typeface="Arial"/>
             </a:endParaRPr>
           </a:p>
@@ -4406,10 +4811,10 @@
               </a:spcBef>
               <a:buNone/>
               <a:tabLst>
-                <a:tab algn="l" pos="0"/>
+                <a:tab pos="0" algn="l"/>
               </a:tabLst>
             </a:pPr>
-            <a:endParaRPr b="0" lang="en-IN" sz="2600" spc="-1" strike="noStrike">
+            <a:endParaRPr lang="en-IN" sz="2600" b="0" strike="noStrike" spc="-1">
               <a:latin typeface="Arial"/>
             </a:endParaRPr>
           </a:p>
@@ -4423,10 +4828,10 @@
               </a:spcBef>
               <a:buNone/>
               <a:tabLst>
-                <a:tab algn="l" pos="0"/>
+                <a:tab pos="0" algn="l"/>
               </a:tabLst>
             </a:pPr>
-            <a:endParaRPr b="0" lang="en-IN" sz="2600" spc="-1" strike="noStrike">
+            <a:endParaRPr lang="en-IN" sz="2600" b="0" strike="noStrike" spc="-1">
               <a:latin typeface="Arial"/>
             </a:endParaRPr>
           </a:p>
@@ -4434,43 +4839,38 @@
       </p:sp>
     </p:spTree>
   </p:cSld>
-  <mc:AlternateContent>
-    <mc:Choice Requires="p14">
-      <p:transition spd="slow" p14:dur="2000"/>
-    </mc:Choice>
-    <mc:Fallback>
-      <p:transition spd="slow"/>
-    </mc:Fallback>
-  </mc:AlternateContent>
+  <p:clrMapOvr>
+    <a:masterClrMapping/>
+  </p:clrMapOvr>
   <p:timing>
     <p:tnLst>
       <p:par>
-        <p:cTn id="29" dur="indefinite" restart="never" nodeType="tmRoot">
+        <p:cTn id="1" dur="indefinite" restart="never" nodeType="tmRoot">
           <p:childTnLst>
             <p:seq>
-              <p:cTn id="30" dur="indefinite" nodeType="mainSeq">
+              <p:cTn id="2" dur="indefinite" nodeType="mainSeq">
                 <p:childTnLst>
                   <p:par>
-                    <p:cTn id="31" fill="hold">
+                    <p:cTn id="3" fill="hold">
                       <p:stCondLst>
                         <p:cond delay="indefinite"/>
                       </p:stCondLst>
                       <p:childTnLst>
                         <p:par>
-                          <p:cTn id="32" fill="hold">
+                          <p:cTn id="4" fill="hold">
                             <p:stCondLst>
                               <p:cond delay="0"/>
                             </p:stCondLst>
                             <p:childTnLst>
                               <p:par>
-                                <p:cTn id="33" nodeType="clickEffect" fill="hold" presetClass="entr" presetID="22" presetSubtype="4">
+                                <p:cTn id="5" presetID="22" presetClass="entr" presetSubtype="4" fill="hold" nodeType="clickEffect">
                                   <p:stCondLst>
                                     <p:cond delay="0"/>
                                   </p:stCondLst>
                                   <p:childTnLst>
                                     <p:set>
                                       <p:cBhvr>
-                                        <p:cTn id="34" dur="1" fill="hold">
+                                        <p:cTn id="6" dur="1" fill="hold">
                                           <p:stCondLst>
                                             <p:cond delay="0"/>
                                           </p:stCondLst>
@@ -4490,9 +4890,9 @@
                                         <p:strVal val="visible"/>
                                       </p:to>
                                     </p:set>
-                                    <p:animEffect filter="wipe(down)" transition="in">
+                                    <p:animEffect transition="in" filter="wipe(down)">
                                       <p:cBhvr additive="repl">
-                                        <p:cTn id="35" dur="500"/>
+                                        <p:cTn id="7" dur="500"/>
                                         <p:tgtEl>
                                           <p:spTgt spid="57">
                                             <p:txEl>
@@ -4514,14 +4914,14 @@
                 </p:childTnLst>
               </p:cTn>
               <p:prevCondLst>
-                <p:cond evt="onPrev">
+                <p:cond evt="onPrev" delay="0">
                   <p:tgtEl>
                     <p:sldTgt/>
                   </p:tgtEl>
                 </p:cond>
               </p:prevCondLst>
               <p:nextCondLst>
-                <p:cond evt="onNext">
+                <p:cond evt="onNext" delay="0">
                   <p:tgtEl>
                     <p:sldTgt/>
                   </p:tgtEl>
@@ -4537,7 +4937,7 @@
 </file>
 
 <file path=ppt/slides/slide2.xml><?xml version="1.0" encoding="utf-8"?>
-<p:sld xmlns:a="http://schemas.openxmlformats.org/drawingml/2006/main" xmlns:p="http://schemas.openxmlformats.org/presentationml/2006/main" xmlns:r="http://schemas.openxmlformats.org/officeDocument/2006/relationships" xmlns:p14="http://schemas.microsoft.com/office/powerpoint/2010/main" xmlns:p15="http://schemas.microsoft.com/office/powerpoint/2012/main" xmlns:mc="http://schemas.openxmlformats.org/markup-compatibility/2006">
+<p:sld xmlns:a="http://schemas.openxmlformats.org/drawingml/2006/main" xmlns:r="http://schemas.openxmlformats.org/officeDocument/2006/relationships" xmlns:p="http://schemas.openxmlformats.org/presentationml/2006/main">
   <p:cSld>
     <p:spTree>
       <p:nvGrpSpPr>
@@ -4555,12 +4955,12 @@
       </p:grpSpPr>
       <p:pic>
         <p:nvPicPr>
-          <p:cNvPr id="42" name="" descr=""/>
+          <p:cNvPr id="42" name="Picture 41"/>
           <p:cNvPicPr/>
           <p:nvPr/>
         </p:nvPicPr>
         <p:blipFill>
-          <a:blip r:embed="rId1"/>
+          <a:blip r:embed="rId2"/>
           <a:stretch/>
         </p:blipFill>
         <p:spPr>
@@ -4578,19 +4978,14 @@
       </p:pic>
     </p:spTree>
   </p:cSld>
-  <mc:AlternateContent>
-    <mc:Choice Requires="p14">
-      <p:transition spd="slow" p14:dur="2000"/>
-    </mc:Choice>
-    <mc:Fallback>
-      <p:transition spd="slow"/>
-    </mc:Fallback>
-  </mc:AlternateContent>
+  <p:clrMapOvr>
+    <a:masterClrMapping/>
+  </p:clrMapOvr>
 </p:sld>
 </file>
 
 <file path=ppt/slides/slide3.xml><?xml version="1.0" encoding="utf-8"?>
-<p:sld xmlns:a="http://schemas.openxmlformats.org/drawingml/2006/main" xmlns:p="http://schemas.openxmlformats.org/presentationml/2006/main" xmlns:r="http://schemas.openxmlformats.org/officeDocument/2006/relationships" xmlns:p14="http://schemas.microsoft.com/office/powerpoint/2010/main" xmlns:p15="http://schemas.microsoft.com/office/powerpoint/2012/main" xmlns:mc="http://schemas.openxmlformats.org/markup-compatibility/2006">
+<p:sld xmlns:a="http://schemas.openxmlformats.org/drawingml/2006/main" xmlns:r="http://schemas.openxmlformats.org/officeDocument/2006/relationships" xmlns:p="http://schemas.openxmlformats.org/presentationml/2006/main">
   <p:cSld>
     <p:spTree>
       <p:nvGrpSpPr>
@@ -4608,12 +5003,12 @@
       </p:grpSpPr>
       <p:pic>
         <p:nvPicPr>
-          <p:cNvPr id="43" name="" descr=""/>
+          <p:cNvPr id="43" name="Picture 42"/>
           <p:cNvPicPr/>
           <p:nvPr/>
         </p:nvPicPr>
         <p:blipFill>
-          <a:blip r:embed="rId1"/>
+          <a:blip r:embed="rId2"/>
           <a:stretch/>
         </p:blipFill>
         <p:spPr>
@@ -4631,19 +5026,14 @@
       </p:pic>
     </p:spTree>
   </p:cSld>
-  <mc:AlternateContent>
-    <mc:Choice Requires="p14">
-      <p:transition spd="slow" p14:dur="2000"/>
-    </mc:Choice>
-    <mc:Fallback>
-      <p:transition spd="slow"/>
-    </mc:Fallback>
-  </mc:AlternateContent>
+  <p:clrMapOvr>
+    <a:masterClrMapping/>
+  </p:clrMapOvr>
 </p:sld>
 </file>
 
 <file path=ppt/slides/slide4.xml><?xml version="1.0" encoding="utf-8"?>
-<p:sld xmlns:a="http://schemas.openxmlformats.org/drawingml/2006/main" xmlns:p="http://schemas.openxmlformats.org/presentationml/2006/main" xmlns:r="http://schemas.openxmlformats.org/officeDocument/2006/relationships" xmlns:p14="http://schemas.microsoft.com/office/powerpoint/2010/main" xmlns:p15="http://schemas.microsoft.com/office/powerpoint/2012/main" xmlns:mc="http://schemas.openxmlformats.org/markup-compatibility/2006">
+<p:sld xmlns:a="http://schemas.openxmlformats.org/drawingml/2006/main" xmlns:r="http://schemas.openxmlformats.org/officeDocument/2006/relationships" xmlns:p="http://schemas.openxmlformats.org/presentationml/2006/main">
   <p:cSld>
     <p:spTree>
       <p:nvGrpSpPr>
@@ -4661,12 +5051,12 @@
       </p:grpSpPr>
       <p:pic>
         <p:nvPicPr>
-          <p:cNvPr id="44" name="" descr=""/>
+          <p:cNvPr id="44" name="Picture 43"/>
           <p:cNvPicPr/>
           <p:nvPr/>
         </p:nvPicPr>
         <p:blipFill>
-          <a:blip r:embed="rId1"/>
+          <a:blip r:embed="rId2"/>
           <a:stretch/>
         </p:blipFill>
         <p:spPr>
@@ -4684,19 +5074,14 @@
       </p:pic>
     </p:spTree>
   </p:cSld>
-  <mc:AlternateContent>
-    <mc:Choice Requires="p14">
-      <p:transition spd="slow" p14:dur="2000"/>
-    </mc:Choice>
-    <mc:Fallback>
-      <p:transition spd="slow"/>
-    </mc:Fallback>
-  </mc:AlternateContent>
+  <p:clrMapOvr>
+    <a:masterClrMapping/>
+  </p:clrMapOvr>
 </p:sld>
 </file>
 
 <file path=ppt/slides/slide5.xml><?xml version="1.0" encoding="utf-8"?>
-<p:sld xmlns:a="http://schemas.openxmlformats.org/drawingml/2006/main" xmlns:p="http://schemas.openxmlformats.org/presentationml/2006/main" xmlns:r="http://schemas.openxmlformats.org/officeDocument/2006/relationships" xmlns:p14="http://schemas.microsoft.com/office/powerpoint/2010/main" xmlns:p15="http://schemas.microsoft.com/office/powerpoint/2012/main" xmlns:mc="http://schemas.openxmlformats.org/markup-compatibility/2006">
+<p:sld xmlns:a="http://schemas.openxmlformats.org/drawingml/2006/main" xmlns:r="http://schemas.openxmlformats.org/officeDocument/2006/relationships" xmlns:p="http://schemas.openxmlformats.org/presentationml/2006/main">
   <p:cSld>
     <p:spTree>
       <p:nvGrpSpPr>
@@ -4736,9 +5121,10 @@
           </a:ln>
         </p:spPr>
         <p:txBody>
-          <a:bodyPr lIns="90000" rIns="90000" tIns="45000" bIns="45000" anchor="t">
+          <a:bodyPr lIns="90000" tIns="45000" rIns="90000" bIns="45000" anchor="t">
             <a:normAutofit/>
           </a:bodyPr>
+          <a:lstStyle/>
           <a:p>
             <a:pPr>
               <a:lnSpc>
@@ -4749,10 +5135,10 @@
               </a:spcBef>
               <a:buNone/>
               <a:tabLst>
-                <a:tab algn="l" pos="0"/>
+                <a:tab pos="0" algn="l"/>
               </a:tabLst>
             </a:pPr>
-            <a:endParaRPr b="0" lang="en-IN" sz="3150" spc="-1" strike="noStrike">
+            <a:endParaRPr lang="en-IN" sz="3150" b="0" strike="noStrike" spc="-1">
               <a:latin typeface="Arial"/>
             </a:endParaRPr>
           </a:p>
@@ -4766,10 +5152,10 @@
               </a:spcBef>
               <a:buNone/>
               <a:tabLst>
-                <a:tab algn="l" pos="0"/>
+                <a:tab pos="0" algn="l"/>
               </a:tabLst>
             </a:pPr>
-            <a:endParaRPr b="0" lang="en-IN" sz="2600" spc="-1" strike="noStrike">
+            <a:endParaRPr lang="en-IN" sz="2600" b="0" strike="noStrike" spc="-1">
               <a:latin typeface="Arial"/>
             </a:endParaRPr>
           </a:p>
@@ -4777,12 +5163,12 @@
       </p:sp>
       <p:pic>
         <p:nvPicPr>
-          <p:cNvPr id="46" name="" descr=""/>
+          <p:cNvPr id="46" name="Picture 45"/>
           <p:cNvPicPr/>
           <p:nvPr/>
         </p:nvPicPr>
         <p:blipFill>
-          <a:blip r:embed="rId1"/>
+          <a:blip r:embed="rId2"/>
           <a:stretch/>
         </p:blipFill>
         <p:spPr>
@@ -4800,14 +5186,9 @@
       </p:pic>
     </p:spTree>
   </p:cSld>
-  <mc:AlternateContent>
-    <mc:Choice Requires="p14">
-      <p:transition spd="slow" p14:dur="2000"/>
-    </mc:Choice>
-    <mc:Fallback>
-      <p:transition spd="slow"/>
-    </mc:Fallback>
-  </mc:AlternateContent>
+  <p:clrMapOvr>
+    <a:masterClrMapping/>
+  </p:clrMapOvr>
   <p:timing>
     <p:tnLst>
       <p:par>
@@ -4829,7 +5210,7 @@
                             </p:stCondLst>
                             <p:childTnLst>
                               <p:par>
-                                <p:cTn id="5" nodeType="clickEffect" fill="hold" presetClass="entr" presetID="22" presetSubtype="4">
+                                <p:cTn id="5" presetID="22" presetClass="entr" presetSubtype="4" fill="hold" nodeType="clickEffect">
                                   <p:stCondLst>
                                     <p:cond delay="0"/>
                                   </p:stCondLst>
@@ -4856,7 +5237,7 @@
                                         <p:strVal val="visible"/>
                                       </p:to>
                                     </p:set>
-                                    <p:animEffect filter="wipe(down)" transition="in">
+                                    <p:animEffect transition="in" filter="wipe(down)">
                                       <p:cBhvr additive="repl">
                                         <p:cTn id="7" dur="500"/>
                                         <p:tgtEl>
@@ -4880,14 +5261,14 @@
                 </p:childTnLst>
               </p:cTn>
               <p:prevCondLst>
-                <p:cond evt="onPrev">
+                <p:cond evt="onPrev" delay="0">
                   <p:tgtEl>
                     <p:sldTgt/>
                   </p:tgtEl>
                 </p:cond>
               </p:prevCondLst>
               <p:nextCondLst>
-                <p:cond evt="onNext">
+                <p:cond evt="onNext" delay="0">
                   <p:tgtEl>
                     <p:sldTgt/>
                   </p:tgtEl>
@@ -4903,7 +5284,7 @@
 </file>
 
 <file path=ppt/slides/slide6.xml><?xml version="1.0" encoding="utf-8"?>
-<p:sld xmlns:a="http://schemas.openxmlformats.org/drawingml/2006/main" xmlns:p="http://schemas.openxmlformats.org/presentationml/2006/main" xmlns:r="http://schemas.openxmlformats.org/officeDocument/2006/relationships" xmlns:p14="http://schemas.microsoft.com/office/powerpoint/2010/main" xmlns:p15="http://schemas.microsoft.com/office/powerpoint/2012/main" xmlns:mc="http://schemas.openxmlformats.org/markup-compatibility/2006">
+<p:sld xmlns:a="http://schemas.openxmlformats.org/drawingml/2006/main" xmlns:r="http://schemas.openxmlformats.org/officeDocument/2006/relationships" xmlns:p="http://schemas.openxmlformats.org/presentationml/2006/main">
   <p:cSld>
     <p:spTree>
       <p:nvGrpSpPr>
@@ -4921,12 +5302,12 @@
       </p:grpSpPr>
       <p:pic>
         <p:nvPicPr>
-          <p:cNvPr id="47" name="" descr=""/>
+          <p:cNvPr id="47" name="Picture 46"/>
           <p:cNvPicPr/>
           <p:nvPr/>
         </p:nvPicPr>
         <p:blipFill>
-          <a:blip r:embed="rId1"/>
+          <a:blip r:embed="rId2"/>
           <a:stretch/>
         </p:blipFill>
         <p:spPr>
@@ -4944,19 +5325,14 @@
       </p:pic>
     </p:spTree>
   </p:cSld>
-  <mc:AlternateContent>
-    <mc:Choice Requires="p14">
-      <p:transition spd="slow" p14:dur="2000"/>
-    </mc:Choice>
-    <mc:Fallback>
-      <p:transition spd="slow"/>
-    </mc:Fallback>
-  </mc:AlternateContent>
+  <p:clrMapOvr>
+    <a:masterClrMapping/>
+  </p:clrMapOvr>
 </p:sld>
 </file>
 
 <file path=ppt/slides/slide7.xml><?xml version="1.0" encoding="utf-8"?>
-<p:sld xmlns:a="http://schemas.openxmlformats.org/drawingml/2006/main" xmlns:p="http://schemas.openxmlformats.org/presentationml/2006/main" xmlns:r="http://schemas.openxmlformats.org/officeDocument/2006/relationships" xmlns:p14="http://schemas.microsoft.com/office/powerpoint/2010/main" xmlns:p15="http://schemas.microsoft.com/office/powerpoint/2012/main" xmlns:mc="http://schemas.openxmlformats.org/markup-compatibility/2006">
+<p:sld xmlns:a="http://schemas.openxmlformats.org/drawingml/2006/main" xmlns:r="http://schemas.openxmlformats.org/officeDocument/2006/relationships" xmlns:p="http://schemas.openxmlformats.org/presentationml/2006/main">
   <p:cSld>
     <p:spTree>
       <p:nvGrpSpPr>
@@ -4974,12 +5350,12 @@
       </p:grpSpPr>
       <p:pic>
         <p:nvPicPr>
-          <p:cNvPr id="48" name="" descr=""/>
+          <p:cNvPr id="48" name="Picture 47"/>
           <p:cNvPicPr/>
           <p:nvPr/>
         </p:nvPicPr>
         <p:blipFill>
-          <a:blip r:embed="rId1"/>
+          <a:blip r:embed="rId2"/>
           <a:stretch/>
         </p:blipFill>
         <p:spPr>
@@ -4997,19 +5373,14 @@
       </p:pic>
     </p:spTree>
   </p:cSld>
-  <mc:AlternateContent>
-    <mc:Choice Requires="p14">
-      <p:transition spd="slow" p14:dur="2000"/>
-    </mc:Choice>
-    <mc:Fallback>
-      <p:transition spd="slow"/>
-    </mc:Fallback>
-  </mc:AlternateContent>
+  <p:clrMapOvr>
+    <a:masterClrMapping/>
+  </p:clrMapOvr>
 </p:sld>
 </file>
 
 <file path=ppt/slides/slide8.xml><?xml version="1.0" encoding="utf-8"?>
-<p:sld xmlns:a="http://schemas.openxmlformats.org/drawingml/2006/main" xmlns:p="http://schemas.openxmlformats.org/presentationml/2006/main" xmlns:r="http://schemas.openxmlformats.org/officeDocument/2006/relationships" xmlns:p14="http://schemas.microsoft.com/office/powerpoint/2010/main" xmlns:p15="http://schemas.microsoft.com/office/powerpoint/2012/main" xmlns:mc="http://schemas.openxmlformats.org/markup-compatibility/2006">
+<p:sld xmlns:a="http://schemas.openxmlformats.org/drawingml/2006/main" xmlns:r="http://schemas.openxmlformats.org/officeDocument/2006/relationships" xmlns:p="http://schemas.openxmlformats.org/presentationml/2006/main">
   <p:cSld>
     <p:spTree>
       <p:nvGrpSpPr>
@@ -5027,12 +5398,12 @@
       </p:grpSpPr>
       <p:pic>
         <p:nvPicPr>
-          <p:cNvPr id="49" name="" descr=""/>
+          <p:cNvPr id="49" name="Picture 48"/>
           <p:cNvPicPr/>
           <p:nvPr/>
         </p:nvPicPr>
         <p:blipFill>
-          <a:blip r:embed="rId1"/>
+          <a:blip r:embed="rId2"/>
           <a:stretch/>
         </p:blipFill>
         <p:spPr>
@@ -5050,19 +5421,14 @@
       </p:pic>
     </p:spTree>
   </p:cSld>
-  <mc:AlternateContent>
-    <mc:Choice Requires="p14">
-      <p:transition spd="slow" p14:dur="2000"/>
-    </mc:Choice>
-    <mc:Fallback>
-      <p:transition spd="slow"/>
-    </mc:Fallback>
-  </mc:AlternateContent>
+  <p:clrMapOvr>
+    <a:masterClrMapping/>
+  </p:clrMapOvr>
 </p:sld>
 </file>
 
 <file path=ppt/slides/slide9.xml><?xml version="1.0" encoding="utf-8"?>
-<p:sld xmlns:a="http://schemas.openxmlformats.org/drawingml/2006/main" xmlns:p="http://schemas.openxmlformats.org/presentationml/2006/main" xmlns:r="http://schemas.openxmlformats.org/officeDocument/2006/relationships" xmlns:p14="http://schemas.microsoft.com/office/powerpoint/2010/main" xmlns:p15="http://schemas.microsoft.com/office/powerpoint/2012/main" xmlns:mc="http://schemas.openxmlformats.org/markup-compatibility/2006">
+<p:sld xmlns:a="http://schemas.openxmlformats.org/drawingml/2006/main" xmlns:r="http://schemas.openxmlformats.org/officeDocument/2006/relationships" xmlns:p="http://schemas.openxmlformats.org/presentationml/2006/main">
   <p:cSld>
     <p:spTree>
       <p:nvGrpSpPr>
@@ -5102,9 +5468,10 @@
           </a:ln>
         </p:spPr>
         <p:txBody>
-          <a:bodyPr lIns="90000" rIns="90000" tIns="45000" bIns="45000" anchor="t">
+          <a:bodyPr lIns="90000" tIns="45000" rIns="90000" bIns="45000" anchor="t">
             <a:noAutofit/>
           </a:bodyPr>
+          <a:lstStyle/>
           <a:p>
             <a:pPr>
               <a:lnSpc>
@@ -5115,11 +5482,11 @@
               </a:spcBef>
               <a:buNone/>
               <a:tabLst>
-                <a:tab algn="l" pos="0"/>
+                <a:tab pos="0" algn="l"/>
               </a:tabLst>
             </a:pPr>
             <a:r>
-              <a:rPr b="0" lang="en-US" sz="7200" spc="-1" strike="noStrike">
+              <a:rPr lang="en-US" sz="7200" b="0" strike="noStrike" spc="-1">
                 <a:solidFill>
                   <a:srgbClr val="000000"/>
                 </a:solidFill>
@@ -5127,7 +5494,7 @@
               </a:rPr>
               <a:t>Practice </a:t>
             </a:r>
-            <a:endParaRPr b="0" lang="en-IN" sz="7200" spc="-1" strike="noStrike">
+            <a:endParaRPr lang="en-IN" sz="7200" b="0" strike="noStrike" spc="-1">
               <a:latin typeface="Arial"/>
             </a:endParaRPr>
           </a:p>
@@ -5141,28 +5508,19 @@
               </a:spcBef>
               <a:buNone/>
               <a:tabLst>
-                <a:tab algn="l" pos="0"/>
+                <a:tab pos="0" algn="l"/>
               </a:tabLst>
             </a:pPr>
             <a:r>
-              <a:rPr b="0" lang="en-US" sz="7200" spc="-1" strike="noStrike">
+              <a:rPr lang="en-US" sz="7200" b="0" strike="noStrike" spc="-1">
                 <a:solidFill>
                   <a:srgbClr val="000000"/>
                 </a:solidFill>
                 <a:latin typeface="Calibri"/>
               </a:rPr>
-              <a:t>              </a:t>
-            </a:r>
-            <a:r>
-              <a:rPr b="0" lang="en-US" sz="7200" spc="-1" strike="noStrike">
-                <a:solidFill>
-                  <a:srgbClr val="000000"/>
-                </a:solidFill>
-                <a:latin typeface="Calibri"/>
-              </a:rPr>
-              <a:t>Questions</a:t>
-            </a:r>
-            <a:endParaRPr b="0" lang="en-IN" sz="7200" spc="-1" strike="noStrike">
+              <a:t>              Questions</a:t>
+            </a:r>
+            <a:endParaRPr lang="en-IN" sz="7200" b="0" strike="noStrike" spc="-1">
               <a:latin typeface="Arial"/>
             </a:endParaRPr>
           </a:p>
@@ -5176,11 +5534,11 @@
               </a:spcBef>
               <a:buNone/>
               <a:tabLst>
-                <a:tab algn="l" pos="0"/>
+                <a:tab pos="0" algn="l"/>
               </a:tabLst>
             </a:pPr>
             <a:r>
-              <a:rPr b="0" lang="en-US" sz="2600" spc="-1" strike="noStrike">
+              <a:rPr lang="en-US" sz="2600" b="0" strike="noStrike" spc="-1">
                 <a:solidFill>
                   <a:srgbClr val="000000"/>
                 </a:solidFill>
@@ -5188,7 +5546,7 @@
               </a:rPr>
               <a:t> </a:t>
             </a:r>
-            <a:endParaRPr b="0" lang="en-IN" sz="2600" spc="-1" strike="noStrike">
+            <a:endParaRPr lang="en-IN" sz="2600" b="0" strike="noStrike" spc="-1">
               <a:latin typeface="Arial"/>
             </a:endParaRPr>
           </a:p>
@@ -5202,10 +5560,10 @@
               </a:spcBef>
               <a:buNone/>
               <a:tabLst>
-                <a:tab algn="l" pos="0"/>
+                <a:tab pos="0" algn="l"/>
               </a:tabLst>
             </a:pPr>
-            <a:endParaRPr b="0" lang="en-IN" sz="2600" spc="-1" strike="noStrike">
+            <a:endParaRPr lang="en-IN" sz="2600" b="0" strike="noStrike" spc="-1">
               <a:latin typeface="Arial"/>
             </a:endParaRPr>
           </a:p>
@@ -5213,43 +5571,38 @@
       </p:sp>
     </p:spTree>
   </p:cSld>
-  <mc:AlternateContent>
-    <mc:Choice Requires="p14">
-      <p:transition spd="slow" p14:dur="2000"/>
-    </mc:Choice>
-    <mc:Fallback>
-      <p:transition spd="slow"/>
-    </mc:Fallback>
-  </mc:AlternateContent>
+  <p:clrMapOvr>
+    <a:masterClrMapping/>
+  </p:clrMapOvr>
   <p:timing>
     <p:tnLst>
       <p:par>
-        <p:cTn id="8" dur="indefinite" restart="never" nodeType="tmRoot">
+        <p:cTn id="1" dur="indefinite" restart="never" nodeType="tmRoot">
           <p:childTnLst>
             <p:seq>
-              <p:cTn id="9" dur="indefinite" nodeType="mainSeq">
+              <p:cTn id="2" dur="indefinite" nodeType="mainSeq">
                 <p:childTnLst>
                   <p:par>
-                    <p:cTn id="10" fill="hold">
+                    <p:cTn id="3" fill="hold">
                       <p:stCondLst>
                         <p:cond delay="indefinite"/>
                       </p:stCondLst>
                       <p:childTnLst>
                         <p:par>
-                          <p:cTn id="11" fill="hold">
+                          <p:cTn id="4" fill="hold">
                             <p:stCondLst>
                               <p:cond delay="0"/>
                             </p:stCondLst>
                             <p:childTnLst>
                               <p:par>
-                                <p:cTn id="12" nodeType="clickEffect" fill="hold" presetClass="entr" presetID="22" presetSubtype="4">
+                                <p:cTn id="5" presetID="22" presetClass="entr" presetSubtype="4" fill="hold" nodeType="clickEffect">
                                   <p:stCondLst>
                                     <p:cond delay="0"/>
                                   </p:stCondLst>
                                   <p:childTnLst>
                                     <p:set>
                                       <p:cBhvr>
-                                        <p:cTn id="13" dur="1" fill="hold">
+                                        <p:cTn id="6" dur="1" fill="hold">
                                           <p:stCondLst>
                                             <p:cond delay="0"/>
                                           </p:stCondLst>
@@ -5269,9 +5622,9 @@
                                         <p:strVal val="visible"/>
                                       </p:to>
                                     </p:set>
-                                    <p:animEffect filter="wipe(down)" transition="in">
+                                    <p:animEffect transition="in" filter="wipe(down)">
                                       <p:cBhvr additive="repl">
-                                        <p:cTn id="14" dur="500"/>
+                                        <p:cTn id="7" dur="500"/>
                                         <p:tgtEl>
                                           <p:spTgt spid="50">
                                             <p:txEl>
@@ -5293,14 +5646,14 @@
                 </p:childTnLst>
               </p:cTn>
               <p:prevCondLst>
-                <p:cond evt="onPrev">
+                <p:cond evt="onPrev" delay="0">
                   <p:tgtEl>
                     <p:sldTgt/>
                   </p:tgtEl>
                 </p:cond>
               </p:prevCondLst>
               <p:nextCondLst>
-                <p:cond evt="onNext">
+                <p:cond evt="onNext" delay="0">
                   <p:tgtEl>
                     <p:sldTgt/>
                   </p:tgtEl>
@@ -5326,34 +5679,34 @@
         <a:sysClr val="window" lastClr="FFFFFF"/>
       </a:lt1>
       <a:dk2>
-        <a:srgbClr val="44546a"/>
+        <a:srgbClr val="44546A"/>
       </a:dk2>
       <a:lt2>
-        <a:srgbClr val="e7e6e6"/>
+        <a:srgbClr val="E7E6E6"/>
       </a:lt2>
       <a:accent1>
-        <a:srgbClr val="4472c4"/>
+        <a:srgbClr val="4472C4"/>
       </a:accent1>
       <a:accent2>
-        <a:srgbClr val="ed7d31"/>
+        <a:srgbClr val="ED7D31"/>
       </a:accent2>
       <a:accent3>
-        <a:srgbClr val="a5a5a5"/>
+        <a:srgbClr val="A5A5A5"/>
       </a:accent3>
       <a:accent4>
-        <a:srgbClr val="ffc000"/>
+        <a:srgbClr val="FFC000"/>
       </a:accent4>
       <a:accent5>
-        <a:srgbClr val="5b9bd5"/>
+        <a:srgbClr val="5B9BD5"/>
       </a:accent5>
       <a:accent6>
-        <a:srgbClr val="70ad47"/>
+        <a:srgbClr val="70AD47"/>
       </a:accent6>
       <a:hlink>
-        <a:srgbClr val="0563c1"/>
+        <a:srgbClr val="0563C1"/>
       </a:hlink>
       <a:folHlink>
-        <a:srgbClr val="954f72"/>
+        <a:srgbClr val="954F72"/>
       </a:folHlink>
     </a:clrScheme>
     <a:fontScheme name="Office">
@@ -5538,5 +5891,7 @@
       </a:bgFillStyleLst>
     </a:fmtScheme>
   </a:themeElements>
+  <a:objectDefaults/>
+  <a:extraClrSchemeLst/>
 </a:theme>
 </file>